--- a/LCC/Java/13_多執行緒及lambda.pptx
+++ b/LCC/Java/13_多執行緒及lambda.pptx
@@ -166,7 +166,7 @@
             <a:srgbClr val="A4A3A4"/>
           </p15:clr>
         </p15:guide>
-        <p15:guide id="2" pos="3840" userDrawn="1">
+        <p15:guide id="2" pos="5292" userDrawn="1">
           <p15:clr>
             <a:srgbClr val="A4A3A4"/>
           </p15:clr>
@@ -900,7 +900,7 @@
             <a:fld id="{B61BEF0D-F0BB-DE4B-95CE-6DB70DBA9567}" type="datetimeFigureOut">
               <a:rPr lang="en-US" dirty="0"/>
               <a:pPr/>
-              <a:t>6/15/2022</a:t>
+              <a:t>6/18/2022</a:t>
             </a:fld>
             <a:endParaRPr lang="en-US" dirty="0"/>
           </a:p>
@@ -1148,7 +1148,7 @@
             <a:fld id="{B61BEF0D-F0BB-DE4B-95CE-6DB70DBA9567}" type="datetimeFigureOut">
               <a:rPr lang="en-US" dirty="0"/>
               <a:pPr/>
-              <a:t>6/15/2022</a:t>
+              <a:t>6/18/2022</a:t>
             </a:fld>
             <a:endParaRPr lang="en-US" dirty="0"/>
           </a:p>
@@ -1459,7 +1459,7 @@
             <a:fld id="{B61BEF0D-F0BB-DE4B-95CE-6DB70DBA9567}" type="datetimeFigureOut">
               <a:rPr lang="en-US" dirty="0"/>
               <a:pPr/>
-              <a:t>6/15/2022</a:t>
+              <a:t>6/18/2022</a:t>
             </a:fld>
             <a:endParaRPr lang="en-US" dirty="0"/>
           </a:p>
@@ -1797,7 +1797,7 @@
             <a:fld id="{B61BEF0D-F0BB-DE4B-95CE-6DB70DBA9567}" type="datetimeFigureOut">
               <a:rPr lang="en-US" dirty="0"/>
               <a:pPr/>
-              <a:t>6/15/2022</a:t>
+              <a:t>6/18/2022</a:t>
             </a:fld>
             <a:endParaRPr lang="en-US" dirty="0"/>
           </a:p>
@@ -2108,7 +2108,7 @@
             <a:fld id="{B61BEF0D-F0BB-DE4B-95CE-6DB70DBA9567}" type="datetimeFigureOut">
               <a:rPr lang="en-US" dirty="0"/>
               <a:pPr/>
-              <a:t>6/15/2022</a:t>
+              <a:t>6/18/2022</a:t>
             </a:fld>
             <a:endParaRPr lang="en-US" dirty="0"/>
           </a:p>
@@ -2498,7 +2498,7 @@
             <a:fld id="{B61BEF0D-F0BB-DE4B-95CE-6DB70DBA9567}" type="datetimeFigureOut">
               <a:rPr lang="en-US" dirty="0"/>
               <a:pPr/>
-              <a:t>6/15/2022</a:t>
+              <a:t>6/18/2022</a:t>
             </a:fld>
             <a:endParaRPr lang="en-US" dirty="0"/>
           </a:p>
@@ -2664,7 +2664,7 @@
           <a:p>
             <a:fld id="{55C6B4A9-1611-4792-9094-5F34BCA07E0B}" type="datetimeFigureOut">
               <a:rPr lang="en-US" dirty="0"/>
-              <a:t>6/15/2022</a:t>
+              <a:t>6/18/2022</a:t>
             </a:fld>
             <a:endParaRPr lang="en-US" dirty="0"/>
           </a:p>
@@ -2840,7 +2840,7 @@
             <a:fld id="{B61BEF0D-F0BB-DE4B-95CE-6DB70DBA9567}" type="datetimeFigureOut">
               <a:rPr lang="en-US" dirty="0"/>
               <a:pPr/>
-              <a:t>6/15/2022</a:t>
+              <a:t>6/18/2022</a:t>
             </a:fld>
             <a:endParaRPr lang="en-US" dirty="0"/>
           </a:p>
@@ -3037,7 +3037,7 @@
             <a:fld id="{B61BEF0D-F0BB-DE4B-95CE-6DB70DBA9567}" type="datetimeFigureOut">
               <a:rPr lang="en-US" dirty="0"/>
               <a:pPr/>
-              <a:t>6/15/2022</a:t>
+              <a:t>6/18/2022</a:t>
             </a:fld>
             <a:endParaRPr lang="en-US" dirty="0"/>
           </a:p>
@@ -3281,7 +3281,7 @@
             <a:fld id="{B61BEF0D-F0BB-DE4B-95CE-6DB70DBA9567}" type="datetimeFigureOut">
               <a:rPr lang="en-US" dirty="0"/>
               <a:pPr/>
-              <a:t>6/15/2022</a:t>
+              <a:t>6/18/2022</a:t>
             </a:fld>
             <a:endParaRPr lang="en-US" dirty="0"/>
           </a:p>
@@ -3509,7 +3509,7 @@
           <a:p>
             <a:fld id="{EB712588-04B1-427B-82EE-E8DB90309F08}" type="datetimeFigureOut">
               <a:rPr lang="en-US" dirty="0"/>
-              <a:t>6/15/2022</a:t>
+              <a:t>6/18/2022</a:t>
             </a:fld>
             <a:endParaRPr lang="en-US" dirty="0"/>
           </a:p>
@@ -3879,7 +3879,7 @@
             <a:fld id="{B61BEF0D-F0BB-DE4B-95CE-6DB70DBA9567}" type="datetimeFigureOut">
               <a:rPr lang="en-US" dirty="0"/>
               <a:pPr/>
-              <a:t>6/15/2022</a:t>
+              <a:t>6/18/2022</a:t>
             </a:fld>
             <a:endParaRPr lang="en-US" dirty="0"/>
           </a:p>
@@ -3999,7 +3999,7 @@
             <a:fld id="{B61BEF0D-F0BB-DE4B-95CE-6DB70DBA9567}" type="datetimeFigureOut">
               <a:rPr lang="en-US" dirty="0"/>
               <a:pPr/>
-              <a:t>6/15/2022</a:t>
+              <a:t>6/18/2022</a:t>
             </a:fld>
             <a:endParaRPr lang="en-US" dirty="0"/>
           </a:p>
@@ -4091,7 +4091,7 @@
             <a:fld id="{B61BEF0D-F0BB-DE4B-95CE-6DB70DBA9567}" type="datetimeFigureOut">
               <a:rPr lang="en-US" dirty="0"/>
               <a:pPr/>
-              <a:t>6/15/2022</a:t>
+              <a:t>6/18/2022</a:t>
             </a:fld>
             <a:endParaRPr lang="en-US" dirty="0"/>
           </a:p>
@@ -4342,7 +4342,7 @@
           <a:p>
             <a:fld id="{42A54C80-263E-416B-A8E0-580EDEADCBDC}" type="datetimeFigureOut">
               <a:rPr lang="en-US" dirty="0"/>
-              <a:t>6/15/2022</a:t>
+              <a:t>6/18/2022</a:t>
             </a:fld>
             <a:endParaRPr lang="en-US" dirty="0"/>
           </a:p>
@@ -4601,7 +4601,7 @@
             <a:fld id="{B61BEF0D-F0BB-DE4B-95CE-6DB70DBA9567}" type="datetimeFigureOut">
               <a:rPr lang="en-US" dirty="0"/>
               <a:pPr/>
-              <a:t>6/15/2022</a:t>
+              <a:t>6/18/2022</a:t>
             </a:fld>
             <a:endParaRPr lang="en-US" dirty="0"/>
           </a:p>
@@ -5341,7 +5341,7 @@
             <a:fld id="{B61BEF0D-F0BB-DE4B-95CE-6DB70DBA9567}" type="datetimeFigureOut">
               <a:rPr lang="en-US" dirty="0"/>
               <a:pPr/>
-              <a:t>6/15/2022</a:t>
+              <a:t>6/18/2022</a:t>
             </a:fld>
             <a:endParaRPr lang="en-US" dirty="0"/>
           </a:p>
@@ -6085,7 +6085,7 @@
             <a:fld id="{4805910D-2C61-424F-80CE-807290CF0E1E}" type="datetime4">
               <a:rPr lang="zh-TW" altLang="zh-TW"/>
               <a:pPr/>
-              <a:t>111年6月15日星期三</a:t>
+              <a:t>111年6月18日星期六</a:t>
             </a:fld>
             <a:endParaRPr lang="zh-TW" altLang="en-US" dirty="0"/>
           </a:p>
@@ -7329,6 +7329,13 @@
   <p:clrMapOvr>
     <a:masterClrMapping/>
   </p:clrMapOvr>
+  <p:timing>
+    <p:tnLst>
+      <p:par>
+        <p:cTn id="1" dur="indefinite" restart="never" nodeType="tmRoot"/>
+      </p:par>
+    </p:tnLst>
+  </p:timing>
 </p:sld>
 </file>
 
@@ -7441,8 +7448,8 @@
               <a:t>implements </a:t>
             </a:r>
             <a:r>
-              <a:rPr lang="en-US" altLang="zh-TW" dirty="0" err="1"/>
-              <a:t>Runnablez</a:t>
+              <a:rPr lang="en-US" altLang="zh-TW" dirty="0" smtClean="0"/>
+              <a:t>Runnable</a:t>
             </a:r>
             <a:r>
               <a:rPr lang="zh-TW" altLang="en-US" dirty="0" smtClean="0"/>
@@ -7687,15 +7694,7 @@
             </a:r>
             <a:r>
               <a:rPr lang="en-US" altLang="zh-TW" dirty="0" smtClean="0"/>
-              <a:t>	</a:t>
-            </a:r>
-            <a:r>
-              <a:rPr lang="en-US" altLang="zh-TW" dirty="0" smtClean="0"/>
-              <a:t>Horse </a:t>
-            </a:r>
-            <a:r>
-              <a:rPr lang="en-US" altLang="zh-TW" dirty="0" smtClean="0"/>
-              <a:t>Class</a:t>
+              <a:t>	Horse Class</a:t>
             </a:r>
             <a:r>
               <a:rPr lang="zh-TW" altLang="en-US" dirty="0" smtClean="0"/>
@@ -9966,12 +9965,16 @@
               <a:t>用</a:t>
             </a:r>
             <a:r>
-              <a:rPr lang="en-US" altLang="zh-TW" dirty="0" err="1" smtClean="0"/>
-              <a:t>lambd</a:t>
+              <a:rPr lang="en-US" altLang="zh-TW" dirty="0" smtClean="0"/>
+              <a:t>lambda</a:t>
             </a:r>
             <a:r>
               <a:rPr lang="zh-TW" altLang="en-US" dirty="0" smtClean="0"/>
-              <a:t>表示法去產生</a:t>
+              <a:t>表示</a:t>
+            </a:r>
+            <a:r>
+              <a:rPr lang="zh-TW" altLang="en-US" dirty="0" smtClean="0"/>
+              <a:t>法去產生</a:t>
             </a:r>
             <a:r>
               <a:rPr lang="en-US" altLang="zh-TW" dirty="0" smtClean="0"/>
@@ -12484,11 +12487,7 @@
             </a:r>
             <a:r>
               <a:rPr lang="zh-TW" altLang="en-US" dirty="0" smtClean="0"/>
-              <a:t>的</a:t>
-            </a:r>
-            <a:r>
-              <a:rPr lang="zh-TW" altLang="en-US" dirty="0" smtClean="0"/>
-              <a:t>方法</a:t>
+              <a:t>的方法</a:t>
             </a:r>
             <a:endParaRPr lang="en-US" altLang="zh-TW" dirty="0" smtClean="0"/>
           </a:p>
@@ -13042,7 +13041,7 @@
               <a:t> </a:t>
             </a:r>
             <a:r>
-              <a:rPr lang="en-US" altLang="zh-TW" u="sng" dirty="0" err="1">
+              <a:rPr lang="en-US" altLang="zh-TW" dirty="0" err="1">
                 <a:solidFill>
                   <a:srgbClr val="F2F200"/>
                 </a:solidFill>
@@ -13051,16 +13050,16 @@
               <a:t>thread</a:t>
             </a:r>
             <a:r>
-              <a:rPr lang="en-US" altLang="zh-TW" u="sng" dirty="0">
-                <a:solidFill>
-                  <a:srgbClr val="D9E8F7"/>
-                </a:solidFill>
-                <a:latin typeface="Consolas" panose="020B0609020204030204" pitchFamily="49" charset="0"/>
-              </a:rPr>
-              <a:t> </a:t>
-            </a:r>
-            <a:r>
-              <a:rPr lang="en-US" altLang="zh-TW" u="sng" dirty="0">
+              <a:rPr lang="en-US" altLang="zh-TW" dirty="0">
+                <a:solidFill>
+                  <a:srgbClr val="D9E8F7"/>
+                </a:solidFill>
+                <a:latin typeface="Consolas" panose="020B0609020204030204" pitchFamily="49" charset="0"/>
+              </a:rPr>
+              <a:t> </a:t>
+            </a:r>
+            <a:r>
+              <a:rPr lang="en-US" altLang="zh-TW" dirty="0">
                 <a:solidFill>
                   <a:srgbClr val="E6E6FA"/>
                 </a:solidFill>
@@ -13069,16 +13068,16 @@
               <a:t>=</a:t>
             </a:r>
             <a:r>
-              <a:rPr lang="en-US" altLang="zh-TW" u="sng" dirty="0">
-                <a:solidFill>
-                  <a:srgbClr val="D9E8F7"/>
-                </a:solidFill>
-                <a:latin typeface="Consolas" panose="020B0609020204030204" pitchFamily="49" charset="0"/>
-              </a:rPr>
-              <a:t> </a:t>
-            </a:r>
-            <a:r>
-              <a:rPr lang="en-US" altLang="zh-TW" u="sng" dirty="0">
+              <a:rPr lang="en-US" altLang="zh-TW" dirty="0">
+                <a:solidFill>
+                  <a:srgbClr val="D9E8F7"/>
+                </a:solidFill>
+                <a:latin typeface="Consolas" panose="020B0609020204030204" pitchFamily="49" charset="0"/>
+              </a:rPr>
+              <a:t> </a:t>
+            </a:r>
+            <a:r>
+              <a:rPr lang="en-US" altLang="zh-TW" dirty="0">
                 <a:solidFill>
                   <a:srgbClr val="CC6C1D"/>
                 </a:solidFill>
@@ -13087,16 +13086,16 @@
               <a:t>new</a:t>
             </a:r>
             <a:r>
-              <a:rPr lang="en-US" altLang="zh-TW" u="sng" dirty="0">
-                <a:solidFill>
-                  <a:srgbClr val="D9E8F7"/>
-                </a:solidFill>
-                <a:latin typeface="Consolas" panose="020B0609020204030204" pitchFamily="49" charset="0"/>
-              </a:rPr>
-              <a:t> </a:t>
-            </a:r>
-            <a:r>
-              <a:rPr lang="en-US" altLang="zh-TW" u="sng" dirty="0">
+              <a:rPr lang="en-US" altLang="zh-TW" dirty="0">
+                <a:solidFill>
+                  <a:srgbClr val="D9E8F7"/>
+                </a:solidFill>
+                <a:latin typeface="Consolas" panose="020B0609020204030204" pitchFamily="49" charset="0"/>
+              </a:rPr>
+              <a:t> </a:t>
+            </a:r>
+            <a:r>
+              <a:rPr lang="en-US" altLang="zh-TW" dirty="0">
                 <a:solidFill>
                   <a:srgbClr val="A7EC21"/>
                 </a:solidFill>
@@ -13105,7 +13104,7 @@
               <a:t>Thread</a:t>
             </a:r>
             <a:r>
-              <a:rPr lang="en-US" altLang="zh-TW" u="sng" dirty="0">
+              <a:rPr lang="en-US" altLang="zh-TW" dirty="0">
                 <a:solidFill>
                   <a:srgbClr val="F9FAF4"/>
                 </a:solidFill>
@@ -13114,16 +13113,16 @@
               <a:t>(()</a:t>
             </a:r>
             <a:r>
-              <a:rPr lang="en-US" altLang="zh-TW" u="sng" dirty="0">
-                <a:solidFill>
-                  <a:srgbClr val="D9E8F7"/>
-                </a:solidFill>
-                <a:latin typeface="Consolas" panose="020B0609020204030204" pitchFamily="49" charset="0"/>
-              </a:rPr>
-              <a:t> </a:t>
-            </a:r>
-            <a:r>
-              <a:rPr lang="en-US" altLang="zh-TW" u="sng" dirty="0">
+              <a:rPr lang="en-US" altLang="zh-TW" dirty="0">
+                <a:solidFill>
+                  <a:srgbClr val="D9E8F7"/>
+                </a:solidFill>
+                <a:latin typeface="Consolas" panose="020B0609020204030204" pitchFamily="49" charset="0"/>
+              </a:rPr>
+              <a:t> </a:t>
+            </a:r>
+            <a:r>
+              <a:rPr lang="en-US" altLang="zh-TW" dirty="0">
                 <a:solidFill>
                   <a:srgbClr val="E6E6FA"/>
                 </a:solidFill>
@@ -13132,16 +13131,16 @@
               <a:t>-&gt;</a:t>
             </a:r>
             <a:r>
-              <a:rPr lang="en-US" altLang="zh-TW" u="sng" dirty="0">
-                <a:solidFill>
-                  <a:srgbClr val="D9E8F7"/>
-                </a:solidFill>
-                <a:latin typeface="Consolas" panose="020B0609020204030204" pitchFamily="49" charset="0"/>
-              </a:rPr>
-              <a:t> </a:t>
-            </a:r>
-            <a:r>
-              <a:rPr lang="en-US" altLang="zh-TW" u="sng" dirty="0" err="1">
+              <a:rPr lang="en-US" altLang="zh-TW" dirty="0">
+                <a:solidFill>
+                  <a:srgbClr val="D9E8F7"/>
+                </a:solidFill>
+                <a:latin typeface="Consolas" panose="020B0609020204030204" pitchFamily="49" charset="0"/>
+              </a:rPr>
+              <a:t> </a:t>
+            </a:r>
+            <a:r>
+              <a:rPr lang="en-US" altLang="zh-TW" dirty="0" err="1">
                 <a:solidFill>
                   <a:srgbClr val="1290C3"/>
                 </a:solidFill>
@@ -13150,7 +13149,7 @@
               <a:t>System</a:t>
             </a:r>
             <a:r>
-              <a:rPr lang="en-US" altLang="zh-TW" u="sng" dirty="0" err="1">
+              <a:rPr lang="en-US" altLang="zh-TW" dirty="0" err="1">
                 <a:solidFill>
                   <a:srgbClr val="E6E6FA"/>
                 </a:solidFill>
@@ -13159,7 +13158,7 @@
               <a:t>.</a:t>
             </a:r>
             <a:r>
-              <a:rPr lang="en-US" altLang="zh-TW" b="1" i="1" u="sng" dirty="0" err="1">
+              <a:rPr lang="en-US" altLang="zh-TW" b="1" i="1" dirty="0" err="1">
                 <a:solidFill>
                   <a:srgbClr val="8DDAF8"/>
                 </a:solidFill>
@@ -13168,7 +13167,7 @@
               <a:t>out</a:t>
             </a:r>
             <a:r>
-              <a:rPr lang="en-US" altLang="zh-TW" b="1" i="1" u="sng" dirty="0" err="1">
+              <a:rPr lang="en-US" altLang="zh-TW" b="1" i="1" dirty="0" err="1">
                 <a:solidFill>
                   <a:srgbClr val="E6E6FA"/>
                 </a:solidFill>
@@ -13177,7 +13176,7 @@
               <a:t>.</a:t>
             </a:r>
             <a:r>
-              <a:rPr lang="en-US" altLang="zh-TW" b="1" i="1" u="sng" dirty="0" err="1">
+              <a:rPr lang="en-US" altLang="zh-TW" b="1" i="1" dirty="0" err="1">
                 <a:solidFill>
                   <a:srgbClr val="A7EC21"/>
                 </a:solidFill>
@@ -13186,7 +13185,7 @@
               <a:t>println</a:t>
             </a:r>
             <a:r>
-              <a:rPr lang="en-US" altLang="zh-TW" b="1" i="1" u="sng" dirty="0">
+              <a:rPr lang="en-US" altLang="zh-TW" b="1" i="1" dirty="0">
                 <a:solidFill>
                   <a:srgbClr val="F9FAF4"/>
                 </a:solidFill>
@@ -13195,7 +13194,7 @@
               <a:t>(</a:t>
             </a:r>
             <a:r>
-              <a:rPr lang="en-US" altLang="zh-TW" b="1" i="1" u="sng" dirty="0">
+              <a:rPr lang="en-US" altLang="zh-TW" b="1" i="1" dirty="0">
                 <a:solidFill>
                   <a:srgbClr val="17C6A3"/>
                 </a:solidFill>
@@ -13204,7 +13203,7 @@
               <a:t>"Hello Man!"</a:t>
             </a:r>
             <a:r>
-              <a:rPr lang="en-US" altLang="zh-TW" b="1" i="1" u="sng" dirty="0">
+              <a:rPr lang="en-US" altLang="zh-TW" b="1" i="1" dirty="0">
                 <a:solidFill>
                   <a:srgbClr val="F9FAF4"/>
                 </a:solidFill>
@@ -13213,7 +13212,7 @@
               <a:t>))</a:t>
             </a:r>
             <a:r>
-              <a:rPr lang="en-US" altLang="zh-TW" b="1" i="1" u="sng" dirty="0">
+              <a:rPr lang="en-US" altLang="zh-TW" b="1" i="1" dirty="0">
                 <a:solidFill>
                   <a:srgbClr val="E6E6FA"/>
                 </a:solidFill>
@@ -13789,7 +13788,19 @@
           <a:p>
             <a:r>
               <a:rPr lang="zh-TW" altLang="en-US" dirty="0" smtClean="0"/>
-              <a:t>適合較短的</a:t>
+              <a:t>適合</a:t>
+            </a:r>
+            <a:r>
+              <a:rPr lang="zh-TW" altLang="en-US" dirty="0"/>
+              <a:t>程式碼</a:t>
+            </a:r>
+            <a:r>
+              <a:rPr lang="zh-TW" altLang="en-US" dirty="0" smtClean="0"/>
+              <a:t>較</a:t>
+            </a:r>
+            <a:r>
+              <a:rPr lang="zh-TW" altLang="en-US" dirty="0" smtClean="0"/>
+              <a:t>短的</a:t>
             </a:r>
             <a:r>
               <a:rPr lang="en-US" altLang="zh-TW" dirty="0" smtClean="0"/>
@@ -13823,11 +13834,27 @@
             </a:r>
             <a:r>
               <a:rPr lang="en-US" altLang="zh-TW" dirty="0"/>
-              <a:t>Horse class</a:t>
+              <a:t>Horse </a:t>
+            </a:r>
+            <a:r>
+              <a:rPr lang="en-US" altLang="zh-TW" dirty="0" smtClean="0"/>
+              <a:t>class</a:t>
+            </a:r>
+            <a:r>
+              <a:rPr lang="zh-TW" altLang="en-US" dirty="0" smtClean="0"/>
+              <a:t>的</a:t>
+            </a:r>
+            <a:r>
+              <a:rPr lang="en-US" altLang="zh-TW" dirty="0" smtClean="0"/>
+              <a:t>Run()</a:t>
+            </a:r>
+            <a:r>
+              <a:rPr lang="zh-TW" altLang="en-US" dirty="0" smtClean="0"/>
+              <a:t>照</a:t>
             </a:r>
             <a:r>
               <a:rPr lang="zh-TW" altLang="en-US" dirty="0"/>
-              <a:t>照搬過來的。</a:t>
+              <a:t>搬過來的。</a:t>
             </a:r>
           </a:p>
         </p:txBody>
@@ -15921,113 +15948,6 @@
               <a:t>;</a:t>
             </a:r>
             <a:endParaRPr lang="zh-TW" altLang="en-US" sz="1600" dirty="0"/>
-          </a:p>
-        </p:txBody>
-      </p:sp>
-      <p:sp>
-        <p:nvSpPr>
-          <p:cNvPr id="3" name="矩形 2"/>
-          <p:cNvSpPr/>
-          <p:nvPr/>
-        </p:nvSpPr>
-        <p:spPr>
-          <a:xfrm>
-            <a:off x="3048000" y="3105835"/>
-            <a:ext cx="6096000" cy="646331"/>
-          </a:xfrm>
-          <a:prstGeom prst="rect">
-            <a:avLst/>
-          </a:prstGeom>
-        </p:spPr>
-        <p:txBody>
-          <a:bodyPr>
-            <a:spAutoFit/>
-          </a:bodyPr>
-          <a:lstStyle/>
-          <a:p>
-            <a:r>
-              <a:rPr lang="en-US" altLang="zh-TW" b="1" dirty="0" err="1">
-                <a:solidFill>
-                  <a:srgbClr val="EEEEEE"/>
-                </a:solidFill>
-                <a:hlinkClick r:id="rId2"/>
-              </a:rPr>
-              <a:t>java</a:t>
-            </a:r>
-            <a:r>
-              <a:rPr lang="en-US" altLang="zh-TW" b="1" dirty="0" err="1"/>
-              <a:t>.</a:t>
-            </a:r>
-            <a:r>
-              <a:rPr lang="en-US" altLang="zh-TW" b="1" dirty="0" err="1">
-                <a:solidFill>
-                  <a:srgbClr val="EEEEEE"/>
-                </a:solidFill>
-                <a:hlinkClick r:id="rId3"/>
-              </a:rPr>
-              <a:t>lang</a:t>
-            </a:r>
-            <a:r>
-              <a:rPr lang="en-US" altLang="zh-TW" b="1" dirty="0" err="1"/>
-              <a:t>.</a:t>
-            </a:r>
-            <a:r>
-              <a:rPr lang="en-US" altLang="zh-TW" b="1" dirty="0" err="1">
-                <a:solidFill>
-                  <a:srgbClr val="EEEEEE"/>
-                </a:solidFill>
-                <a:hlinkClick r:id="rId4"/>
-              </a:rPr>
-              <a:t>Thread</a:t>
-            </a:r>
-            <a:r>
-              <a:rPr lang="en-US" altLang="zh-TW" b="1" dirty="0" err="1"/>
-              <a:t>.Thread</a:t>
-            </a:r>
-            <a:r>
-              <a:rPr lang="en-US" altLang="zh-TW" b="1" dirty="0"/>
-              <a:t>(</a:t>
-            </a:r>
-            <a:r>
-              <a:rPr lang="en-US" altLang="zh-TW" b="1" dirty="0" err="1">
-                <a:solidFill>
-                  <a:srgbClr val="EEEEEE"/>
-                </a:solidFill>
-                <a:hlinkClick r:id="rId5" tooltip="in java.lang"/>
-              </a:rPr>
-              <a:t>ThreadGroup</a:t>
-            </a:r>
-            <a:r>
-              <a:rPr lang="en-US" altLang="zh-TW" b="1" dirty="0"/>
-              <a:t> group, </a:t>
-            </a:r>
-            <a:r>
-              <a:rPr lang="en-US" altLang="zh-TW" b="1" dirty="0">
-                <a:solidFill>
-                  <a:srgbClr val="EEEEEE"/>
-                </a:solidFill>
-                <a:hlinkClick r:id="rId6" tooltip="in java.lang"/>
-              </a:rPr>
-              <a:t>Runnable</a:t>
-            </a:r>
-            <a:r>
-              <a:rPr lang="en-US" altLang="zh-TW" b="1" dirty="0"/>
-              <a:t> target, </a:t>
-            </a:r>
-            <a:r>
-              <a:rPr lang="en-US" altLang="zh-TW" b="1" dirty="0">
-                <a:solidFill>
-                  <a:srgbClr val="EEEEEE"/>
-                </a:solidFill>
-                <a:hlinkClick r:id="rId7" tooltip="in java.lang"/>
-              </a:rPr>
-              <a:t>String</a:t>
-            </a:r>
-            <a:r>
-              <a:rPr lang="en-US" altLang="zh-TW" b="1" dirty="0"/>
-              <a:t> name)</a:t>
-            </a:r>
-            <a:endParaRPr lang="zh-TW" altLang="en-US" dirty="0"/>
           </a:p>
         </p:txBody>
       </p:sp>
@@ -17359,6 +17279,92 @@
   <p:clrMapOvr>
     <a:masterClrMapping/>
   </p:clrMapOvr>
+  <p:timing>
+    <p:tnLst>
+      <p:par>
+        <p:cTn id="1" dur="indefinite" restart="never" nodeType="tmRoot">
+          <p:childTnLst>
+            <p:seq concurrent="1" nextAc="seek">
+              <p:cTn id="2" dur="indefinite" nodeType="mainSeq">
+                <p:childTnLst>
+                  <p:par>
+                    <p:cTn id="3" fill="hold">
+                      <p:stCondLst>
+                        <p:cond delay="indefinite"/>
+                      </p:stCondLst>
+                      <p:childTnLst>
+                        <p:par>
+                          <p:cTn id="4" fill="hold">
+                            <p:stCondLst>
+                              <p:cond delay="0"/>
+                            </p:stCondLst>
+                            <p:childTnLst>
+                              <p:par>
+                                <p:cTn id="5" presetID="22" presetClass="entr" presetSubtype="1" fill="hold" grpId="0" nodeType="clickEffect">
+                                  <p:stCondLst>
+                                    <p:cond delay="0"/>
+                                  </p:stCondLst>
+                                  <p:childTnLst>
+                                    <p:set>
+                                      <p:cBhvr>
+                                        <p:cTn id="6" dur="1" fill="hold">
+                                          <p:stCondLst>
+                                            <p:cond delay="0"/>
+                                          </p:stCondLst>
+                                        </p:cTn>
+                                        <p:tgtEl>
+                                          <p:spTgt spid="25"/>
+                                        </p:tgtEl>
+                                        <p:attrNameLst>
+                                          <p:attrName>style.visibility</p:attrName>
+                                        </p:attrNameLst>
+                                      </p:cBhvr>
+                                      <p:to>
+                                        <p:strVal val="visible"/>
+                                      </p:to>
+                                    </p:set>
+                                    <p:animEffect transition="in" filter="wipe(up)">
+                                      <p:cBhvr>
+                                        <p:cTn id="7" dur="1000"/>
+                                        <p:tgtEl>
+                                          <p:spTgt spid="25"/>
+                                        </p:tgtEl>
+                                      </p:cBhvr>
+                                    </p:animEffect>
+                                  </p:childTnLst>
+                                </p:cTn>
+                              </p:par>
+                            </p:childTnLst>
+                          </p:cTn>
+                        </p:par>
+                      </p:childTnLst>
+                    </p:cTn>
+                  </p:par>
+                </p:childTnLst>
+              </p:cTn>
+              <p:prevCondLst>
+                <p:cond evt="onPrev" delay="0">
+                  <p:tgtEl>
+                    <p:sldTgt/>
+                  </p:tgtEl>
+                </p:cond>
+              </p:prevCondLst>
+              <p:nextCondLst>
+                <p:cond evt="onNext" delay="0">
+                  <p:tgtEl>
+                    <p:sldTgt/>
+                  </p:tgtEl>
+                </p:cond>
+              </p:nextCondLst>
+            </p:seq>
+          </p:childTnLst>
+        </p:cTn>
+      </p:par>
+    </p:tnLst>
+    <p:bldLst>
+      <p:bldP spid="25" grpId="0" animBg="1"/>
+    </p:bldLst>
+  </p:timing>
 </p:sld>
 </file>
 
@@ -18530,7 +18536,7 @@
               <a:t>   </a:t>
             </a:r>
             <a:r>
-              <a:rPr lang="en-US" altLang="zh-TW" sz="1600" u="sng" dirty="0" smtClean="0">
+              <a:rPr lang="en-US" altLang="zh-TW" sz="1600" dirty="0" smtClean="0">
                 <a:solidFill>
                   <a:srgbClr val="66AFF9"/>
                 </a:solidFill>
@@ -18539,7 +18545,7 @@
               <a:t>cal1</a:t>
             </a:r>
             <a:r>
-              <a:rPr lang="en-US" altLang="zh-TW" sz="1600" u="sng" dirty="0" smtClean="0">
+              <a:rPr lang="en-US" altLang="zh-TW" sz="1600" dirty="0" smtClean="0">
                 <a:solidFill>
                   <a:srgbClr val="E6E6FA"/>
                 </a:solidFill>
@@ -18548,7 +18554,7 @@
               <a:t>.</a:t>
             </a:r>
             <a:r>
-              <a:rPr lang="en-US" altLang="zh-TW" sz="1600" u="sng" dirty="0" smtClean="0">
+              <a:rPr lang="en-US" altLang="zh-TW" sz="1600" dirty="0" smtClean="0">
                 <a:solidFill>
                   <a:srgbClr val="80F6A7"/>
                 </a:solidFill>
@@ -18557,7 +18563,7 @@
               <a:t>exec</a:t>
             </a:r>
             <a:r>
-              <a:rPr lang="en-US" altLang="zh-TW" sz="1600" u="sng" dirty="0" smtClean="0">
+              <a:rPr lang="en-US" altLang="zh-TW" sz="1600" dirty="0" smtClean="0">
                 <a:solidFill>
                   <a:srgbClr val="F9FAF4"/>
                 </a:solidFill>
@@ -18566,7 +18572,7 @@
               <a:t>(</a:t>
             </a:r>
             <a:r>
-              <a:rPr lang="en-US" altLang="zh-TW" sz="1600" u="sng" dirty="0" smtClean="0">
+              <a:rPr lang="en-US" altLang="zh-TW" sz="1600" dirty="0" smtClean="0">
                 <a:solidFill>
                   <a:srgbClr val="6897BB"/>
                 </a:solidFill>
@@ -18575,7 +18581,7 @@
               <a:t>1</a:t>
             </a:r>
             <a:r>
-              <a:rPr lang="en-US" altLang="zh-TW" sz="1600" u="sng" dirty="0">
+              <a:rPr lang="en-US" altLang="zh-TW" sz="1600" dirty="0">
                 <a:solidFill>
                   <a:srgbClr val="E6E6FA"/>
                 </a:solidFill>
@@ -18584,16 +18590,16 @@
               <a:t>,</a:t>
             </a:r>
             <a:r>
-              <a:rPr lang="en-US" altLang="zh-TW" sz="1600" u="sng" dirty="0">
-                <a:solidFill>
-                  <a:srgbClr val="D9E8F7"/>
-                </a:solidFill>
-                <a:latin typeface="Consolas" panose="020B0609020204030204" pitchFamily="49" charset="0"/>
-              </a:rPr>
-              <a:t> </a:t>
-            </a:r>
-            <a:r>
-              <a:rPr lang="en-US" altLang="zh-TW" sz="1600" u="sng" dirty="0">
+              <a:rPr lang="en-US" altLang="zh-TW" sz="1600" dirty="0">
+                <a:solidFill>
+                  <a:srgbClr val="D9E8F7"/>
+                </a:solidFill>
+                <a:latin typeface="Consolas" panose="020B0609020204030204" pitchFamily="49" charset="0"/>
+              </a:rPr>
+              <a:t> </a:t>
+            </a:r>
+            <a:r>
+              <a:rPr lang="en-US" altLang="zh-TW" sz="1600" dirty="0">
                 <a:solidFill>
                   <a:srgbClr val="6897BB"/>
                 </a:solidFill>
@@ -18602,7 +18608,7 @@
               <a:t>2</a:t>
             </a:r>
             <a:r>
-              <a:rPr lang="en-US" altLang="zh-TW" sz="1600" u="sng" dirty="0">
+              <a:rPr lang="en-US" altLang="zh-TW" sz="1600" dirty="0">
                 <a:solidFill>
                   <a:srgbClr val="F9FAF4"/>
                 </a:solidFill>
@@ -18611,7 +18617,7 @@
               <a:t>)</a:t>
             </a:r>
             <a:r>
-              <a:rPr lang="en-US" altLang="zh-TW" sz="1600" u="sng" dirty="0">
+              <a:rPr lang="en-US" altLang="zh-TW" sz="1600" dirty="0">
                 <a:solidFill>
                   <a:srgbClr val="E6E6FA"/>
                 </a:solidFill>
@@ -26535,102 +26541,185 @@
           </a:p>
         </p:txBody>
       </p:sp>
-      <p:sp>
-        <p:nvSpPr>
-          <p:cNvPr id="52" name="向下箭號 51"/>
-          <p:cNvSpPr/>
+      <p:cxnSp>
+        <p:nvCxnSpPr>
+          <p:cNvPr id="56" name="直線接點 55"/>
+          <p:cNvCxnSpPr/>
           <p:nvPr/>
-        </p:nvSpPr>
+        </p:nvCxnSpPr>
         <p:spPr>
           <a:xfrm>
-            <a:off x="8326364" y="2848751"/>
-            <a:ext cx="168921" cy="3037744"/>
+            <a:off x="8384023" y="2918080"/>
+            <a:ext cx="2037" cy="247048"/>
           </a:xfrm>
-          <a:prstGeom prst="downArrow">
+          <a:prstGeom prst="line">
             <a:avLst/>
           </a:prstGeom>
-          <a:solidFill>
-            <a:srgbClr val="FF0000"/>
-          </a:solidFill>
-          <a:ln>
+          <a:ln w="101600" cap="sq">
             <a:solidFill>
               <a:srgbClr val="FF0000"/>
             </a:solidFill>
           </a:ln>
         </p:spPr>
         <p:style>
-          <a:lnRef idx="2">
-            <a:schemeClr val="accent1">
-              <a:shade val="50000"/>
-            </a:schemeClr>
+          <a:lnRef idx="1">
+            <a:schemeClr val="accent1"/>
           </a:lnRef>
-          <a:fillRef idx="1">
+          <a:fillRef idx="0">
             <a:schemeClr val="accent1"/>
           </a:fillRef>
           <a:effectRef idx="0">
             <a:schemeClr val="accent1"/>
           </a:effectRef>
           <a:fontRef idx="minor">
-            <a:schemeClr val="lt1"/>
+            <a:schemeClr val="tx1"/>
           </a:fontRef>
         </p:style>
-        <p:txBody>
-          <a:bodyPr rtlCol="0" anchor="ctr"/>
-          <a:lstStyle/>
-          <a:p>
-            <a:pPr algn="ctr"/>
-            <a:endParaRPr lang="zh-TW" altLang="en-US"/>
-          </a:p>
-        </p:txBody>
-      </p:sp>
-      <p:sp>
-        <p:nvSpPr>
-          <p:cNvPr id="53" name="向下箭號 52"/>
-          <p:cNvSpPr/>
+      </p:cxnSp>
+      <p:cxnSp>
+        <p:nvCxnSpPr>
+          <p:cNvPr id="62" name="直線接點 61"/>
+          <p:cNvCxnSpPr/>
           <p:nvPr/>
-        </p:nvSpPr>
+        </p:nvCxnSpPr>
         <p:spPr>
           <a:xfrm>
-            <a:off x="9297159" y="2842771"/>
-            <a:ext cx="168921" cy="3037744"/>
+            <a:off x="9377529" y="3241312"/>
+            <a:ext cx="1854" cy="472720"/>
           </a:xfrm>
-          <a:prstGeom prst="downArrow">
+          <a:prstGeom prst="line">
             <a:avLst/>
           </a:prstGeom>
-          <a:solidFill>
-            <a:srgbClr val="FF0000"/>
-          </a:solidFill>
-          <a:ln>
+          <a:ln w="101600" cap="sq">
             <a:solidFill>
               <a:srgbClr val="FF0000"/>
             </a:solidFill>
           </a:ln>
         </p:spPr>
         <p:style>
-          <a:lnRef idx="2">
-            <a:schemeClr val="accent1">
-              <a:shade val="50000"/>
-            </a:schemeClr>
+          <a:lnRef idx="1">
+            <a:schemeClr val="accent1"/>
           </a:lnRef>
-          <a:fillRef idx="1">
+          <a:fillRef idx="0">
             <a:schemeClr val="accent1"/>
           </a:fillRef>
           <a:effectRef idx="0">
             <a:schemeClr val="accent1"/>
           </a:effectRef>
           <a:fontRef idx="minor">
-            <a:schemeClr val="lt1"/>
+            <a:schemeClr val="tx1"/>
           </a:fontRef>
         </p:style>
-        <p:txBody>
-          <a:bodyPr rtlCol="0" anchor="ctr"/>
-          <a:lstStyle/>
-          <a:p>
-            <a:pPr algn="ctr"/>
-            <a:endParaRPr lang="zh-TW" altLang="en-US"/>
-          </a:p>
-        </p:txBody>
-      </p:sp>
+      </p:cxnSp>
+      <p:cxnSp>
+        <p:nvCxnSpPr>
+          <p:cNvPr id="67" name="直線接點 66"/>
+          <p:cNvCxnSpPr/>
+          <p:nvPr/>
+        </p:nvCxnSpPr>
+        <p:spPr>
+          <a:xfrm>
+            <a:off x="8381131" y="3810847"/>
+            <a:ext cx="0" cy="455113"/>
+          </a:xfrm>
+          <a:prstGeom prst="line">
+            <a:avLst/>
+          </a:prstGeom>
+          <a:ln w="101600" cap="sq">
+            <a:solidFill>
+              <a:srgbClr val="FF0000"/>
+            </a:solidFill>
+          </a:ln>
+        </p:spPr>
+        <p:style>
+          <a:lnRef idx="1">
+            <a:schemeClr val="accent1"/>
+          </a:lnRef>
+          <a:fillRef idx="0">
+            <a:schemeClr val="accent1"/>
+          </a:fillRef>
+          <a:effectRef idx="0">
+            <a:schemeClr val="accent1"/>
+          </a:effectRef>
+          <a:fontRef idx="minor">
+            <a:schemeClr val="tx1"/>
+          </a:fontRef>
+        </p:style>
+      </p:cxnSp>
+      <p:cxnSp>
+        <p:nvCxnSpPr>
+          <p:cNvPr id="69" name="直線接點 68"/>
+          <p:cNvCxnSpPr/>
+          <p:nvPr/>
+        </p:nvCxnSpPr>
+        <p:spPr>
+          <a:xfrm>
+            <a:off x="9377529" y="4339093"/>
+            <a:ext cx="0" cy="873067"/>
+          </a:xfrm>
+          <a:prstGeom prst="line">
+            <a:avLst/>
+          </a:prstGeom>
+          <a:ln w="101600" cap="sq">
+            <a:solidFill>
+              <a:srgbClr val="FF0000"/>
+            </a:solidFill>
+            <a:headEnd type="none" w="med" len="med"/>
+            <a:tailEnd type="triangle" w="med" len="med"/>
+          </a:ln>
+        </p:spPr>
+        <p:style>
+          <a:lnRef idx="1">
+            <a:schemeClr val="accent1"/>
+          </a:lnRef>
+          <a:fillRef idx="0">
+            <a:schemeClr val="accent1"/>
+          </a:fillRef>
+          <a:effectRef idx="0">
+            <a:schemeClr val="accent1"/>
+          </a:effectRef>
+          <a:fontRef idx="minor">
+            <a:schemeClr val="tx1"/>
+          </a:fontRef>
+        </p:style>
+      </p:cxnSp>
+      <p:cxnSp>
+        <p:nvCxnSpPr>
+          <p:cNvPr id="71" name="直線接點 70"/>
+          <p:cNvCxnSpPr/>
+          <p:nvPr/>
+        </p:nvCxnSpPr>
+        <p:spPr>
+          <a:xfrm>
+            <a:off x="8381131" y="5105890"/>
+            <a:ext cx="0" cy="756510"/>
+          </a:xfrm>
+          <a:prstGeom prst="line">
+            <a:avLst/>
+          </a:prstGeom>
+          <a:ln w="101600" cap="sq">
+            <a:solidFill>
+              <a:srgbClr val="FF0000"/>
+            </a:solidFill>
+            <a:headEnd type="none" w="med" len="med"/>
+            <a:tailEnd type="triangle" w="med" len="med"/>
+          </a:ln>
+        </p:spPr>
+        <p:style>
+          <a:lnRef idx="1">
+            <a:schemeClr val="accent1"/>
+          </a:lnRef>
+          <a:fillRef idx="0">
+            <a:schemeClr val="accent1"/>
+          </a:fillRef>
+          <a:effectRef idx="0">
+            <a:schemeClr val="accent1"/>
+          </a:effectRef>
+          <a:fontRef idx="minor">
+            <a:schemeClr val="tx1"/>
+          </a:fontRef>
+        </p:style>
+      </p:cxnSp>
     </p:spTree>
     <p:extLst>
       <p:ext uri="{BB962C8B-B14F-4D97-AF65-F5344CB8AC3E}">
@@ -26641,6 +26730,265 @@
   <p:clrMapOvr>
     <a:masterClrMapping/>
   </p:clrMapOvr>
+  <p:timing>
+    <p:tnLst>
+      <p:par>
+        <p:cTn id="1" dur="indefinite" restart="never" nodeType="tmRoot">
+          <p:childTnLst>
+            <p:seq concurrent="1" nextAc="seek">
+              <p:cTn id="2" dur="indefinite" nodeType="mainSeq">
+                <p:childTnLst>
+                  <p:par>
+                    <p:cTn id="3" fill="hold">
+                      <p:stCondLst>
+                        <p:cond delay="indefinite"/>
+                      </p:stCondLst>
+                      <p:childTnLst>
+                        <p:par>
+                          <p:cTn id="4" fill="hold">
+                            <p:stCondLst>
+                              <p:cond delay="0"/>
+                            </p:stCondLst>
+                            <p:childTnLst>
+                              <p:par>
+                                <p:cTn id="5" presetID="22" presetClass="entr" presetSubtype="1" fill="hold" nodeType="clickEffect">
+                                  <p:stCondLst>
+                                    <p:cond delay="0"/>
+                                  </p:stCondLst>
+                                  <p:childTnLst>
+                                    <p:set>
+                                      <p:cBhvr>
+                                        <p:cTn id="6" dur="1" fill="hold">
+                                          <p:stCondLst>
+                                            <p:cond delay="0"/>
+                                          </p:stCondLst>
+                                        </p:cTn>
+                                        <p:tgtEl>
+                                          <p:spTgt spid="56"/>
+                                        </p:tgtEl>
+                                        <p:attrNameLst>
+                                          <p:attrName>style.visibility</p:attrName>
+                                        </p:attrNameLst>
+                                      </p:cBhvr>
+                                      <p:to>
+                                        <p:strVal val="visible"/>
+                                      </p:to>
+                                    </p:set>
+                                    <p:animEffect transition="in" filter="wipe(up)">
+                                      <p:cBhvr>
+                                        <p:cTn id="7" dur="500"/>
+                                        <p:tgtEl>
+                                          <p:spTgt spid="56"/>
+                                        </p:tgtEl>
+                                      </p:cBhvr>
+                                    </p:animEffect>
+                                  </p:childTnLst>
+                                </p:cTn>
+                              </p:par>
+                            </p:childTnLst>
+                          </p:cTn>
+                        </p:par>
+                        <p:par>
+                          <p:cTn id="8" fill="hold">
+                            <p:stCondLst>
+                              <p:cond delay="500"/>
+                            </p:stCondLst>
+                            <p:childTnLst>
+                              <p:par>
+                                <p:cTn id="9" presetID="22" presetClass="entr" presetSubtype="1" fill="hold" nodeType="afterEffect">
+                                  <p:stCondLst>
+                                    <p:cond delay="0"/>
+                                  </p:stCondLst>
+                                  <p:childTnLst>
+                                    <p:set>
+                                      <p:cBhvr>
+                                        <p:cTn id="10" dur="1" fill="hold">
+                                          <p:stCondLst>
+                                            <p:cond delay="0"/>
+                                          </p:stCondLst>
+                                        </p:cTn>
+                                        <p:tgtEl>
+                                          <p:spTgt spid="62"/>
+                                        </p:tgtEl>
+                                        <p:attrNameLst>
+                                          <p:attrName>style.visibility</p:attrName>
+                                        </p:attrNameLst>
+                                      </p:cBhvr>
+                                      <p:to>
+                                        <p:strVal val="visible"/>
+                                      </p:to>
+                                    </p:set>
+                                    <p:animEffect transition="in" filter="wipe(up)">
+                                      <p:cBhvr>
+                                        <p:cTn id="11" dur="500"/>
+                                        <p:tgtEl>
+                                          <p:spTgt spid="62"/>
+                                        </p:tgtEl>
+                                      </p:cBhvr>
+                                    </p:animEffect>
+                                  </p:childTnLst>
+                                </p:cTn>
+                              </p:par>
+                            </p:childTnLst>
+                          </p:cTn>
+                        </p:par>
+                        <p:par>
+                          <p:cTn id="12" fill="hold">
+                            <p:stCondLst>
+                              <p:cond delay="1000"/>
+                            </p:stCondLst>
+                            <p:childTnLst>
+                              <p:par>
+                                <p:cTn id="13" presetID="22" presetClass="entr" presetSubtype="1" fill="hold" nodeType="afterEffect">
+                                  <p:stCondLst>
+                                    <p:cond delay="0"/>
+                                  </p:stCondLst>
+                                  <p:childTnLst>
+                                    <p:set>
+                                      <p:cBhvr>
+                                        <p:cTn id="14" dur="1" fill="hold">
+                                          <p:stCondLst>
+                                            <p:cond delay="0"/>
+                                          </p:stCondLst>
+                                        </p:cTn>
+                                        <p:tgtEl>
+                                          <p:spTgt spid="67"/>
+                                        </p:tgtEl>
+                                        <p:attrNameLst>
+                                          <p:attrName>style.visibility</p:attrName>
+                                        </p:attrNameLst>
+                                      </p:cBhvr>
+                                      <p:to>
+                                        <p:strVal val="visible"/>
+                                      </p:to>
+                                    </p:set>
+                                    <p:animEffect transition="in" filter="wipe(up)">
+                                      <p:cBhvr>
+                                        <p:cTn id="15" dur="500"/>
+                                        <p:tgtEl>
+                                          <p:spTgt spid="67"/>
+                                        </p:tgtEl>
+                                      </p:cBhvr>
+                                    </p:animEffect>
+                                  </p:childTnLst>
+                                </p:cTn>
+                              </p:par>
+                            </p:childTnLst>
+                          </p:cTn>
+                        </p:par>
+                        <p:par>
+                          <p:cTn id="16" fill="hold">
+                            <p:stCondLst>
+                              <p:cond delay="1500"/>
+                            </p:stCondLst>
+                            <p:childTnLst>
+                              <p:par>
+                                <p:cTn id="17" presetID="22" presetClass="entr" presetSubtype="1" fill="hold" nodeType="afterEffect">
+                                  <p:stCondLst>
+                                    <p:cond delay="0"/>
+                                  </p:stCondLst>
+                                  <p:childTnLst>
+                                    <p:set>
+                                      <p:cBhvr>
+                                        <p:cTn id="18" dur="1" fill="hold">
+                                          <p:stCondLst>
+                                            <p:cond delay="0"/>
+                                          </p:stCondLst>
+                                        </p:cTn>
+                                        <p:tgtEl>
+                                          <p:spTgt spid="69"/>
+                                        </p:tgtEl>
+                                        <p:attrNameLst>
+                                          <p:attrName>style.visibility</p:attrName>
+                                        </p:attrNameLst>
+                                      </p:cBhvr>
+                                      <p:to>
+                                        <p:strVal val="visible"/>
+                                      </p:to>
+                                    </p:set>
+                                    <p:animEffect transition="in" filter="wipe(up)">
+                                      <p:cBhvr>
+                                        <p:cTn id="19" dur="500"/>
+                                        <p:tgtEl>
+                                          <p:spTgt spid="69"/>
+                                        </p:tgtEl>
+                                      </p:cBhvr>
+                                    </p:animEffect>
+                                  </p:childTnLst>
+                                </p:cTn>
+                              </p:par>
+                            </p:childTnLst>
+                          </p:cTn>
+                        </p:par>
+                        <p:par>
+                          <p:cTn id="20" fill="hold">
+                            <p:stCondLst>
+                              <p:cond delay="2000"/>
+                            </p:stCondLst>
+                            <p:childTnLst>
+                              <p:par>
+                                <p:cTn id="21" presetID="22" presetClass="entr" presetSubtype="1" fill="hold" nodeType="afterEffect">
+                                  <p:stCondLst>
+                                    <p:cond delay="0"/>
+                                  </p:stCondLst>
+                                  <p:childTnLst>
+                                    <p:set>
+                                      <p:cBhvr>
+                                        <p:cTn id="22" dur="1" fill="hold">
+                                          <p:stCondLst>
+                                            <p:cond delay="0"/>
+                                          </p:stCondLst>
+                                        </p:cTn>
+                                        <p:tgtEl>
+                                          <p:spTgt spid="71"/>
+                                        </p:tgtEl>
+                                        <p:attrNameLst>
+                                          <p:attrName>style.visibility</p:attrName>
+                                        </p:attrNameLst>
+                                      </p:cBhvr>
+                                      <p:to>
+                                        <p:strVal val="visible"/>
+                                      </p:to>
+                                    </p:set>
+                                    <p:animEffect transition="in" filter="wipe(up)">
+                                      <p:cBhvr>
+                                        <p:cTn id="23" dur="500"/>
+                                        <p:tgtEl>
+                                          <p:spTgt spid="71"/>
+                                        </p:tgtEl>
+                                      </p:cBhvr>
+                                    </p:animEffect>
+                                  </p:childTnLst>
+                                </p:cTn>
+                              </p:par>
+                            </p:childTnLst>
+                          </p:cTn>
+                        </p:par>
+                      </p:childTnLst>
+                    </p:cTn>
+                  </p:par>
+                </p:childTnLst>
+              </p:cTn>
+              <p:prevCondLst>
+                <p:cond evt="onPrev" delay="0">
+                  <p:tgtEl>
+                    <p:sldTgt/>
+                  </p:tgtEl>
+                </p:cond>
+              </p:prevCondLst>
+              <p:nextCondLst>
+                <p:cond evt="onNext" delay="0">
+                  <p:tgtEl>
+                    <p:sldTgt/>
+                  </p:tgtEl>
+                </p:cond>
+              </p:nextCondLst>
+            </p:seq>
+          </p:childTnLst>
+        </p:cTn>
+      </p:par>
+    </p:tnLst>
+  </p:timing>
 </p:sld>
 </file>
 
@@ -34392,7 +34740,7 @@
         </p:nvSpPr>
         <p:spPr>
           <a:xfrm>
-            <a:off x="3133317" y="2256380"/>
+            <a:off x="2869455" y="2189705"/>
             <a:ext cx="2063693" cy="3876232"/>
           </a:xfrm>
           <a:prstGeom prst="roundRect">
@@ -34446,7 +34794,7 @@
         </p:nvSpPr>
         <p:spPr>
           <a:xfrm>
-            <a:off x="941196" y="2243814"/>
+            <a:off x="677334" y="2177139"/>
             <a:ext cx="1922107" cy="3882539"/>
           </a:xfrm>
           <a:prstGeom prst="roundRect">
@@ -34500,7 +34848,7 @@
         </p:nvGrpSpPr>
         <p:grpSpPr>
           <a:xfrm>
-            <a:off x="1618453" y="3061826"/>
+            <a:off x="1354591" y="2995151"/>
             <a:ext cx="517165" cy="1102921"/>
             <a:chOff x="1472184" y="3312366"/>
             <a:chExt cx="517165" cy="1102921"/>
@@ -34886,7 +35234,7 @@
         </p:nvGrpSpPr>
         <p:grpSpPr>
           <a:xfrm>
-            <a:off x="3431995" y="3058703"/>
+            <a:off x="3168133" y="2992028"/>
             <a:ext cx="517165" cy="232327"/>
             <a:chOff x="2639568" y="3312366"/>
             <a:chExt cx="517165" cy="232327"/>
@@ -35007,7 +35355,7 @@
         </p:nvGrpSpPr>
         <p:grpSpPr>
           <a:xfrm>
-            <a:off x="4397778" y="3407564"/>
+            <a:off x="4133916" y="3340889"/>
             <a:ext cx="517165" cy="410960"/>
             <a:chOff x="3700272" y="3312366"/>
             <a:chExt cx="517165" cy="410960"/>
@@ -35181,7 +35529,7 @@
         </p:nvSpPr>
         <p:spPr>
           <a:xfrm>
-            <a:off x="1280587" y="2258308"/>
+            <a:off x="1016725" y="2191633"/>
             <a:ext cx="1338828" cy="369332"/>
           </a:xfrm>
           <a:prstGeom prst="rect">
@@ -35211,7 +35559,7 @@
         </p:nvGrpSpPr>
         <p:grpSpPr>
           <a:xfrm>
-            <a:off x="1618453" y="4264536"/>
+            <a:off x="1354591" y="4197861"/>
             <a:ext cx="517165" cy="1102921"/>
             <a:chOff x="1472184" y="3312366"/>
             <a:chExt cx="517165" cy="1102921"/>
@@ -35597,7 +35945,7 @@
         </p:nvGrpSpPr>
         <p:grpSpPr>
           <a:xfrm>
-            <a:off x="3431995" y="3928172"/>
+            <a:off x="3168133" y="3861497"/>
             <a:ext cx="517165" cy="410960"/>
             <a:chOff x="3700272" y="3312366"/>
             <a:chExt cx="517165" cy="410960"/>
@@ -35771,7 +36119,7 @@
         </p:nvGrpSpPr>
         <p:grpSpPr>
           <a:xfrm>
-            <a:off x="4397777" y="4434884"/>
+            <a:off x="4133915" y="4368209"/>
             <a:ext cx="517165" cy="410960"/>
             <a:chOff x="3700272" y="3312366"/>
             <a:chExt cx="517165" cy="410960"/>
@@ -35945,7 +36293,7 @@
         </p:nvGrpSpPr>
         <p:grpSpPr>
           <a:xfrm>
-            <a:off x="3431994" y="5307951"/>
+            <a:off x="3168132" y="5241276"/>
             <a:ext cx="517165" cy="410960"/>
             <a:chOff x="3700272" y="3312366"/>
             <a:chExt cx="517165" cy="410960"/>
@@ -36119,7 +36467,7 @@
         </p:nvGrpSpPr>
         <p:grpSpPr>
           <a:xfrm>
-            <a:off x="4397776" y="4957876"/>
+            <a:off x="4133914" y="4891201"/>
             <a:ext cx="517165" cy="232327"/>
             <a:chOff x="2639568" y="3312366"/>
             <a:chExt cx="517165" cy="232327"/>
@@ -36240,7 +36588,7 @@
         </p:nvGrpSpPr>
         <p:grpSpPr>
           <a:xfrm>
-            <a:off x="1618453" y="5470707"/>
+            <a:off x="1354591" y="5404032"/>
             <a:ext cx="517165" cy="232327"/>
             <a:chOff x="2639568" y="3312366"/>
             <a:chExt cx="517165" cy="232327"/>
@@ -36361,7 +36709,7 @@
         </p:nvSpPr>
         <p:spPr>
           <a:xfrm>
-            <a:off x="1781080" y="2936807"/>
+            <a:off x="1517218" y="2870132"/>
             <a:ext cx="168921" cy="3037744"/>
           </a:xfrm>
           <a:prstGeom prst="downArrow">
@@ -36409,7 +36757,7 @@
         </p:nvSpPr>
         <p:spPr>
           <a:xfrm>
-            <a:off x="3431994" y="2251839"/>
+            <a:off x="3168132" y="2185164"/>
             <a:ext cx="1107996" cy="369332"/>
           </a:xfrm>
           <a:prstGeom prst="rect">
@@ -36439,7 +36787,7 @@
         </p:nvSpPr>
         <p:spPr>
           <a:xfrm>
-            <a:off x="3470003" y="2651199"/>
+            <a:off x="3206141" y="2584524"/>
             <a:ext cx="441146" cy="369332"/>
           </a:xfrm>
           <a:prstGeom prst="rect">
@@ -36477,7 +36825,7 @@
         </p:nvSpPr>
         <p:spPr>
           <a:xfrm>
-            <a:off x="4435785" y="2649185"/>
+            <a:off x="4171923" y="2582510"/>
             <a:ext cx="441146" cy="369332"/>
           </a:xfrm>
           <a:prstGeom prst="rect">
@@ -36515,8 +36863,8 @@
         </p:nvSpPr>
         <p:spPr>
           <a:xfrm>
-            <a:off x="3617611" y="2944542"/>
-            <a:ext cx="168921" cy="3037744"/>
+            <a:off x="3356657" y="5179362"/>
+            <a:ext cx="182761" cy="546974"/>
           </a:xfrm>
           <a:prstGeom prst="downArrow">
             <a:avLst/>
@@ -36563,8 +36911,8 @@
         </p:nvSpPr>
         <p:spPr>
           <a:xfrm>
-            <a:off x="4588406" y="2938562"/>
-            <a:ext cx="168921" cy="3037744"/>
+            <a:off x="4321840" y="4284109"/>
+            <a:ext cx="154193" cy="895253"/>
           </a:xfrm>
           <a:prstGeom prst="downArrow">
             <a:avLst/>
@@ -36611,7 +36959,7 @@
         </p:nvSpPr>
         <p:spPr>
           <a:xfrm>
-            <a:off x="6609029" y="2250121"/>
+            <a:off x="6345167" y="2183446"/>
             <a:ext cx="2664973" cy="3876232"/>
           </a:xfrm>
           <a:prstGeom prst="roundRect">
@@ -36665,7 +37013,7 @@
         </p:nvGrpSpPr>
         <p:grpSpPr>
           <a:xfrm>
-            <a:off x="7252603" y="3059898"/>
+            <a:off x="6988741" y="2993223"/>
             <a:ext cx="517165" cy="1102921"/>
             <a:chOff x="1472184" y="3312366"/>
             <a:chExt cx="517165" cy="1102921"/>
@@ -37051,8 +37399,8 @@
         </p:nvSpPr>
         <p:spPr>
           <a:xfrm>
-            <a:off x="6914737" y="2256380"/>
-            <a:ext cx="1800493" cy="369332"/>
+            <a:off x="7105543" y="2198656"/>
+            <a:ext cx="1107996" cy="369332"/>
           </a:xfrm>
           <a:prstGeom prst="rect">
             <a:avLst/>
@@ -37067,7 +37415,11 @@
           <a:p>
             <a:r>
               <a:rPr lang="zh-TW" altLang="en-US" b="1" dirty="0" smtClean="0"/>
-              <a:t>多核心多執行緒</a:t>
+              <a:t>多</a:t>
+            </a:r>
+            <a:r>
+              <a:rPr lang="zh-TW" altLang="en-US" b="1" dirty="0" smtClean="0"/>
+              <a:t>執行緒</a:t>
             </a:r>
             <a:endParaRPr lang="zh-TW" altLang="en-US" b="1" dirty="0"/>
           </a:p>
@@ -37081,7 +37433,7 @@
         </p:nvGrpSpPr>
         <p:grpSpPr>
           <a:xfrm>
-            <a:off x="7259511" y="4621289"/>
+            <a:off x="6995649" y="4554614"/>
             <a:ext cx="517165" cy="1102921"/>
             <a:chOff x="1472184" y="3312366"/>
             <a:chExt cx="517165" cy="1102921"/>
@@ -37467,8 +37819,8 @@
         </p:nvSpPr>
         <p:spPr>
           <a:xfrm>
-            <a:off x="7415230" y="2934879"/>
-            <a:ext cx="168921" cy="3037744"/>
+            <a:off x="7151368" y="4443588"/>
+            <a:ext cx="224059" cy="1462359"/>
           </a:xfrm>
           <a:prstGeom prst="downArrow">
             <a:avLst/>
@@ -37515,7 +37867,7 @@
         </p:nvGrpSpPr>
         <p:grpSpPr>
           <a:xfrm>
-            <a:off x="8198065" y="3583380"/>
+            <a:off x="7934203" y="3516705"/>
             <a:ext cx="517165" cy="1102921"/>
             <a:chOff x="1472184" y="3312366"/>
             <a:chExt cx="517165" cy="1102921"/>
@@ -37901,7 +38253,7 @@
         </p:nvGrpSpPr>
         <p:grpSpPr>
           <a:xfrm>
-            <a:off x="8198065" y="4634255"/>
+            <a:off x="7934203" y="4567580"/>
             <a:ext cx="517165" cy="1102921"/>
             <a:chOff x="1472184" y="3312366"/>
             <a:chExt cx="517165" cy="1102921"/>
@@ -38287,7 +38639,7 @@
         </p:nvGrpSpPr>
         <p:grpSpPr>
           <a:xfrm>
-            <a:off x="8206787" y="3051434"/>
+            <a:off x="7942925" y="2984759"/>
             <a:ext cx="517165" cy="232327"/>
             <a:chOff x="2639568" y="3312366"/>
             <a:chExt cx="517165" cy="232327"/>
@@ -38408,8 +38760,8 @@
         </p:nvSpPr>
         <p:spPr>
           <a:xfrm>
-            <a:off x="8372185" y="2947106"/>
-            <a:ext cx="168921" cy="3037744"/>
+            <a:off x="8108323" y="3472251"/>
+            <a:ext cx="210692" cy="2445924"/>
           </a:xfrm>
           <a:prstGeom prst="downArrow">
             <a:avLst/>
@@ -38456,7 +38808,7 @@
         </p:nvSpPr>
         <p:spPr>
           <a:xfrm>
-            <a:off x="7257185" y="2582961"/>
+            <a:off x="6993323" y="2516286"/>
             <a:ext cx="441146" cy="369332"/>
           </a:xfrm>
           <a:prstGeom prst="rect">
@@ -38494,7 +38846,7 @@
         </p:nvSpPr>
         <p:spPr>
           <a:xfrm>
-            <a:off x="8222967" y="2580947"/>
+            <a:off x="7959105" y="2514272"/>
             <a:ext cx="441146" cy="369332"/>
           </a:xfrm>
           <a:prstGeom prst="rect">
@@ -38532,7 +38884,7 @@
         </p:nvSpPr>
         <p:spPr>
           <a:xfrm>
-            <a:off x="5510451" y="3963934"/>
+            <a:off x="5246589" y="3897259"/>
             <a:ext cx="1569660" cy="923330"/>
           </a:xfrm>
           <a:prstGeom prst="rect">
@@ -38603,7 +38955,7 @@
         </p:nvCxnSpPr>
         <p:spPr>
           <a:xfrm>
-            <a:off x="6914737" y="4425599"/>
+            <a:off x="6650875" y="4358924"/>
             <a:ext cx="418751" cy="0"/>
           </a:xfrm>
           <a:prstGeom prst="straightConnector1">
@@ -38639,7 +38991,7 @@
         </p:nvCxnSpPr>
         <p:spPr>
           <a:xfrm flipV="1">
-            <a:off x="6914737" y="3467615"/>
+            <a:off x="6650875" y="3400940"/>
             <a:ext cx="1308230" cy="858795"/>
           </a:xfrm>
           <a:prstGeom prst="straightConnector1">
@@ -38667,6 +39019,475 @@
           </a:fontRef>
         </p:style>
       </p:cxnSp>
+      <p:sp>
+        <p:nvSpPr>
+          <p:cNvPr id="3" name="矩形 2"/>
+          <p:cNvSpPr/>
+          <p:nvPr/>
+        </p:nvSpPr>
+        <p:spPr>
+          <a:xfrm>
+            <a:off x="3401020" y="2883604"/>
+            <a:ext cx="94080" cy="455567"/>
+          </a:xfrm>
+          <a:prstGeom prst="rect">
+            <a:avLst/>
+          </a:prstGeom>
+          <a:solidFill>
+            <a:srgbClr val="FF0000"/>
+          </a:solidFill>
+          <a:ln>
+            <a:solidFill>
+              <a:srgbClr val="FF0000"/>
+            </a:solidFill>
+          </a:ln>
+        </p:spPr>
+        <p:style>
+          <a:lnRef idx="2">
+            <a:schemeClr val="accent1">
+              <a:shade val="50000"/>
+            </a:schemeClr>
+          </a:lnRef>
+          <a:fillRef idx="1">
+            <a:schemeClr val="accent1"/>
+          </a:fillRef>
+          <a:effectRef idx="0">
+            <a:schemeClr val="accent1"/>
+          </a:effectRef>
+          <a:fontRef idx="minor">
+            <a:schemeClr val="lt1"/>
+          </a:fontRef>
+        </p:style>
+        <p:txBody>
+          <a:bodyPr rtlCol="0" anchor="ctr"/>
+          <a:lstStyle/>
+          <a:p>
+            <a:pPr algn="ctr"/>
+            <a:endParaRPr lang="zh-TW" altLang="en-US"/>
+          </a:p>
+        </p:txBody>
+      </p:sp>
+      <p:sp>
+        <p:nvSpPr>
+          <p:cNvPr id="100" name="矩形 99"/>
+          <p:cNvSpPr/>
+          <p:nvPr/>
+        </p:nvSpPr>
+        <p:spPr>
+          <a:xfrm>
+            <a:off x="4351897" y="3298396"/>
+            <a:ext cx="94080" cy="455567"/>
+          </a:xfrm>
+          <a:prstGeom prst="rect">
+            <a:avLst/>
+          </a:prstGeom>
+          <a:solidFill>
+            <a:srgbClr val="FF0000"/>
+          </a:solidFill>
+          <a:ln>
+            <a:solidFill>
+              <a:srgbClr val="FF0000"/>
+            </a:solidFill>
+          </a:ln>
+        </p:spPr>
+        <p:style>
+          <a:lnRef idx="2">
+            <a:schemeClr val="accent1">
+              <a:shade val="50000"/>
+            </a:schemeClr>
+          </a:lnRef>
+          <a:fillRef idx="1">
+            <a:schemeClr val="accent1"/>
+          </a:fillRef>
+          <a:effectRef idx="0">
+            <a:schemeClr val="accent1"/>
+          </a:effectRef>
+          <a:fontRef idx="minor">
+            <a:schemeClr val="lt1"/>
+          </a:fontRef>
+        </p:style>
+        <p:txBody>
+          <a:bodyPr rtlCol="0" anchor="ctr"/>
+          <a:lstStyle/>
+          <a:p>
+            <a:pPr algn="ctr"/>
+            <a:endParaRPr lang="zh-TW" altLang="en-US"/>
+          </a:p>
+        </p:txBody>
+      </p:sp>
+      <p:sp>
+        <p:nvSpPr>
+          <p:cNvPr id="101" name="矩形 100"/>
+          <p:cNvSpPr/>
+          <p:nvPr/>
+        </p:nvSpPr>
+        <p:spPr>
+          <a:xfrm>
+            <a:off x="3392285" y="3828542"/>
+            <a:ext cx="94080" cy="455567"/>
+          </a:xfrm>
+          <a:prstGeom prst="rect">
+            <a:avLst/>
+          </a:prstGeom>
+          <a:solidFill>
+            <a:srgbClr val="FF0000"/>
+          </a:solidFill>
+          <a:ln>
+            <a:solidFill>
+              <a:srgbClr val="FF0000"/>
+            </a:solidFill>
+          </a:ln>
+        </p:spPr>
+        <p:style>
+          <a:lnRef idx="2">
+            <a:schemeClr val="accent1">
+              <a:shade val="50000"/>
+            </a:schemeClr>
+          </a:lnRef>
+          <a:fillRef idx="1">
+            <a:schemeClr val="accent1"/>
+          </a:fillRef>
+          <a:effectRef idx="0">
+            <a:schemeClr val="accent1"/>
+          </a:effectRef>
+          <a:fontRef idx="minor">
+            <a:schemeClr val="lt1"/>
+          </a:fontRef>
+        </p:style>
+        <p:txBody>
+          <a:bodyPr rtlCol="0" anchor="ctr"/>
+          <a:lstStyle/>
+          <a:p>
+            <a:pPr algn="ctr"/>
+            <a:endParaRPr lang="zh-TW" altLang="en-US"/>
+          </a:p>
+        </p:txBody>
+      </p:sp>
+      <p:sp>
+        <p:nvSpPr>
+          <p:cNvPr id="102" name="矩形 101"/>
+          <p:cNvSpPr/>
+          <p:nvPr/>
+        </p:nvSpPr>
+        <p:spPr>
+          <a:xfrm>
+            <a:off x="7198590" y="2940574"/>
+            <a:ext cx="121991" cy="1200010"/>
+          </a:xfrm>
+          <a:prstGeom prst="rect">
+            <a:avLst/>
+          </a:prstGeom>
+          <a:solidFill>
+            <a:srgbClr val="FF0000"/>
+          </a:solidFill>
+          <a:ln>
+            <a:solidFill>
+              <a:srgbClr val="FF0000"/>
+            </a:solidFill>
+          </a:ln>
+        </p:spPr>
+        <p:style>
+          <a:lnRef idx="2">
+            <a:schemeClr val="accent1">
+              <a:shade val="50000"/>
+            </a:schemeClr>
+          </a:lnRef>
+          <a:fillRef idx="1">
+            <a:schemeClr val="accent1"/>
+          </a:fillRef>
+          <a:effectRef idx="0">
+            <a:schemeClr val="accent1"/>
+          </a:effectRef>
+          <a:fontRef idx="minor">
+            <a:schemeClr val="lt1"/>
+          </a:fontRef>
+        </p:style>
+        <p:txBody>
+          <a:bodyPr rtlCol="0" anchor="ctr"/>
+          <a:lstStyle/>
+          <a:p>
+            <a:pPr algn="ctr"/>
+            <a:endParaRPr lang="zh-TW" altLang="en-US"/>
+          </a:p>
+        </p:txBody>
+      </p:sp>
+      <p:sp>
+        <p:nvSpPr>
+          <p:cNvPr id="103" name="矩形 102"/>
+          <p:cNvSpPr/>
+          <p:nvPr/>
+        </p:nvSpPr>
+        <p:spPr>
+          <a:xfrm>
+            <a:off x="8156539" y="2903922"/>
+            <a:ext cx="114000" cy="353628"/>
+          </a:xfrm>
+          <a:prstGeom prst="rect">
+            <a:avLst/>
+          </a:prstGeom>
+          <a:solidFill>
+            <a:srgbClr val="FF0000"/>
+          </a:solidFill>
+          <a:ln>
+            <a:solidFill>
+              <a:srgbClr val="FF0000"/>
+            </a:solidFill>
+          </a:ln>
+        </p:spPr>
+        <p:style>
+          <a:lnRef idx="2">
+            <a:schemeClr val="accent1">
+              <a:shade val="50000"/>
+            </a:schemeClr>
+          </a:lnRef>
+          <a:fillRef idx="1">
+            <a:schemeClr val="accent1"/>
+          </a:fillRef>
+          <a:effectRef idx="0">
+            <a:schemeClr val="accent1"/>
+          </a:effectRef>
+          <a:fontRef idx="minor">
+            <a:schemeClr val="lt1"/>
+          </a:fontRef>
+        </p:style>
+        <p:txBody>
+          <a:bodyPr rtlCol="0" anchor="ctr"/>
+          <a:lstStyle/>
+          <a:p>
+            <a:pPr algn="ctr"/>
+            <a:endParaRPr lang="zh-TW" altLang="en-US"/>
+          </a:p>
+        </p:txBody>
+      </p:sp>
+      <p:sp>
+        <p:nvSpPr>
+          <p:cNvPr id="95" name="文字方塊 94"/>
+          <p:cNvSpPr txBox="1"/>
+          <p:nvPr/>
+        </p:nvSpPr>
+        <p:spPr>
+          <a:xfrm>
+            <a:off x="5951860" y="6104143"/>
+            <a:ext cx="3451586" cy="369332"/>
+          </a:xfrm>
+          <a:prstGeom prst="rect">
+            <a:avLst/>
+          </a:prstGeom>
+          <a:noFill/>
+        </p:spPr>
+        <p:txBody>
+          <a:bodyPr wrap="none" rtlCol="0">
+            <a:spAutoFit/>
+          </a:bodyPr>
+          <a:lstStyle/>
+          <a:p>
+            <a:r>
+              <a:rPr lang="zh-TW" altLang="en-US" dirty="0" smtClean="0">
+                <a:solidFill>
+                  <a:srgbClr val="0000FF"/>
+                </a:solidFill>
+              </a:rPr>
+              <a:t>兩個</a:t>
+            </a:r>
+            <a:r>
+              <a:rPr lang="en-US" altLang="zh-TW" dirty="0" smtClean="0">
+                <a:solidFill>
+                  <a:srgbClr val="0000FF"/>
+                </a:solidFill>
+              </a:rPr>
+              <a:t>Thread</a:t>
+            </a:r>
+            <a:r>
+              <a:rPr lang="zh-TW" altLang="en-US" dirty="0" smtClean="0">
+                <a:solidFill>
+                  <a:srgbClr val="0000FF"/>
+                </a:solidFill>
+              </a:rPr>
+              <a:t>可以實質上同時執行</a:t>
+            </a:r>
+            <a:endParaRPr lang="zh-TW" altLang="en-US" dirty="0">
+              <a:solidFill>
+                <a:srgbClr val="0000FF"/>
+              </a:solidFill>
+            </a:endParaRPr>
+          </a:p>
+        </p:txBody>
+      </p:sp>
+      <p:cxnSp>
+        <p:nvCxnSpPr>
+          <p:cNvPr id="104" name="直線接點 103"/>
+          <p:cNvCxnSpPr/>
+          <p:nvPr/>
+        </p:nvCxnSpPr>
+        <p:spPr>
+          <a:xfrm>
+            <a:off x="5200530" y="1453089"/>
+            <a:ext cx="9525" cy="5219700"/>
+          </a:xfrm>
+          <a:prstGeom prst="line">
+            <a:avLst/>
+          </a:prstGeom>
+          <a:ln w="38100">
+            <a:solidFill>
+              <a:schemeClr val="accent2">
+                <a:lumMod val="60000"/>
+                <a:lumOff val="40000"/>
+              </a:schemeClr>
+            </a:solidFill>
+            <a:prstDash val="dash"/>
+          </a:ln>
+        </p:spPr>
+        <p:style>
+          <a:lnRef idx="1">
+            <a:schemeClr val="accent1"/>
+          </a:lnRef>
+          <a:fillRef idx="0">
+            <a:schemeClr val="accent1"/>
+          </a:fillRef>
+          <a:effectRef idx="0">
+            <a:schemeClr val="accent1"/>
+          </a:effectRef>
+          <a:fontRef idx="minor">
+            <a:schemeClr val="tx1"/>
+          </a:fontRef>
+        </p:style>
+      </p:cxnSp>
+      <p:sp>
+        <p:nvSpPr>
+          <p:cNvPr id="105" name="文字方塊 104"/>
+          <p:cNvSpPr txBox="1"/>
+          <p:nvPr/>
+        </p:nvSpPr>
+        <p:spPr>
+          <a:xfrm>
+            <a:off x="866891" y="6087175"/>
+            <a:ext cx="4144083" cy="369332"/>
+          </a:xfrm>
+          <a:prstGeom prst="rect">
+            <a:avLst/>
+          </a:prstGeom>
+          <a:noFill/>
+        </p:spPr>
+        <p:txBody>
+          <a:bodyPr wrap="none" rtlCol="0">
+            <a:spAutoFit/>
+          </a:bodyPr>
+          <a:lstStyle/>
+          <a:p>
+            <a:r>
+              <a:rPr lang="zh-TW" altLang="en-US" dirty="0" smtClean="0">
+                <a:solidFill>
+                  <a:srgbClr val="0000FF"/>
+                </a:solidFill>
+              </a:rPr>
+              <a:t>同一時間只有一個</a:t>
+            </a:r>
+            <a:r>
+              <a:rPr lang="en-US" altLang="zh-TW" dirty="0" smtClean="0">
+                <a:solidFill>
+                  <a:srgbClr val="0000FF"/>
+                </a:solidFill>
+              </a:rPr>
+              <a:t>Thread</a:t>
+            </a:r>
+            <a:r>
+              <a:rPr lang="zh-TW" altLang="en-US" dirty="0" smtClean="0">
+                <a:solidFill>
+                  <a:srgbClr val="0000FF"/>
+                </a:solidFill>
+              </a:rPr>
+              <a:t>在真的執行。</a:t>
+            </a:r>
+            <a:endParaRPr lang="zh-TW" altLang="en-US" dirty="0">
+              <a:solidFill>
+                <a:srgbClr val="0000FF"/>
+              </a:solidFill>
+            </a:endParaRPr>
+          </a:p>
+        </p:txBody>
+      </p:sp>
+      <p:sp>
+        <p:nvSpPr>
+          <p:cNvPr id="106" name="矩形 105"/>
+          <p:cNvSpPr/>
+          <p:nvPr/>
+        </p:nvSpPr>
+        <p:spPr>
+          <a:xfrm>
+            <a:off x="7105543" y="1701658"/>
+            <a:ext cx="1107996" cy="461665"/>
+          </a:xfrm>
+          <a:prstGeom prst="rect">
+            <a:avLst/>
+          </a:prstGeom>
+        </p:spPr>
+        <p:txBody>
+          <a:bodyPr wrap="none">
+            <a:spAutoFit/>
+          </a:bodyPr>
+          <a:lstStyle/>
+          <a:p>
+            <a:r>
+              <a:rPr lang="zh-TW" altLang="en-US" sz="2400" b="1" dirty="0">
+                <a:solidFill>
+                  <a:srgbClr val="FF0000"/>
+                </a:solidFill>
+              </a:rPr>
+              <a:t>多核心</a:t>
+            </a:r>
+            <a:endParaRPr lang="zh-TW" altLang="en-US" sz="2400" dirty="0"/>
+          </a:p>
+        </p:txBody>
+      </p:sp>
+      <p:sp>
+        <p:nvSpPr>
+          <p:cNvPr id="107" name="矩形 106"/>
+          <p:cNvSpPr/>
+          <p:nvPr/>
+        </p:nvSpPr>
+        <p:spPr>
+          <a:xfrm>
+            <a:off x="1839299" y="1607357"/>
+            <a:ext cx="1992853" cy="461665"/>
+          </a:xfrm>
+          <a:prstGeom prst="rect">
+            <a:avLst/>
+          </a:prstGeom>
+        </p:spPr>
+        <p:txBody>
+          <a:bodyPr wrap="none">
+            <a:spAutoFit/>
+          </a:bodyPr>
+          <a:lstStyle/>
+          <a:p>
+            <a:r>
+              <a:rPr lang="zh-TW" altLang="en-US" sz="2400" b="1" smtClean="0">
+                <a:solidFill>
+                  <a:srgbClr val="FF0000"/>
+                </a:solidFill>
+              </a:rPr>
+              <a:t>單</a:t>
+            </a:r>
+            <a:r>
+              <a:rPr lang="en-US" altLang="zh-TW" sz="2400" b="1" dirty="0" smtClean="0">
+                <a:solidFill>
+                  <a:srgbClr val="FF0000"/>
+                </a:solidFill>
+              </a:rPr>
+              <a:t>CPU</a:t>
+            </a:r>
+            <a:r>
+              <a:rPr lang="zh-TW" altLang="en-US" sz="2400" b="1" dirty="0" smtClean="0">
+                <a:solidFill>
+                  <a:srgbClr val="FF0000"/>
+                </a:solidFill>
+              </a:rPr>
+              <a:t>單核心</a:t>
+            </a:r>
+            <a:endParaRPr lang="zh-TW" altLang="en-US" sz="2400" dirty="0"/>
+          </a:p>
+        </p:txBody>
+      </p:sp>
     </p:spTree>
     <p:extLst>
       <p:ext uri="{BB962C8B-B14F-4D97-AF65-F5344CB8AC3E}">
@@ -38677,6 +39498,13 @@
   <p:clrMapOvr>
     <a:masterClrMapping/>
   </p:clrMapOvr>
+  <p:timing>
+    <p:tnLst>
+      <p:par>
+        <p:cTn id="1" dur="indefinite" restart="never" nodeType="tmRoot"/>
+      </p:par>
+    </p:tnLst>
+  </p:timing>
 </p:sld>
 </file>
 
@@ -45557,6 +46385,13 @@
   <p:clrMapOvr>
     <a:masterClrMapping/>
   </p:clrMapOvr>
+  <p:timing>
+    <p:tnLst>
+      <p:par>
+        <p:cTn id="1" dur="indefinite" restart="never" nodeType="tmRoot"/>
+      </p:par>
+    </p:tnLst>
+  </p:timing>
 </p:sld>
 </file>
 
@@ -52210,7 +53045,9 @@
         </p:nvSpPr>
         <p:spPr/>
         <p:txBody>
-          <a:bodyPr/>
+          <a:bodyPr>
+            <a:normAutofit lnSpcReduction="10000"/>
+          </a:bodyPr>
           <a:lstStyle/>
           <a:p>
             <a:r>
@@ -52223,8 +53060,25 @@
             <a:pPr fontAlgn="base"/>
             <a:r>
               <a:rPr lang="zh-TW" altLang="en-US" dirty="0"/>
-              <a:t>每個執行緒都有四種狀態：</a:t>
-            </a:r>
+              <a:t>每個執行緒都有四種狀態</a:t>
+            </a:r>
+            <a:r>
+              <a:rPr lang="zh-TW" altLang="en-US" dirty="0" smtClean="0"/>
+              <a:t>：</a:t>
+            </a:r>
+            <a:r>
+              <a:rPr lang="en-US" altLang="zh-TW" dirty="0" smtClean="0"/>
+              <a:t>(</a:t>
+            </a:r>
+            <a:r>
+              <a:rPr lang="zh-TW" altLang="en-US" dirty="0" smtClean="0"/>
+              <a:t>後面會再進一步說明</a:t>
+            </a:r>
+            <a:r>
+              <a:rPr lang="en-US" altLang="zh-TW" dirty="0" smtClean="0"/>
+              <a:t>)</a:t>
+            </a:r>
+            <a:endParaRPr lang="zh-TW" altLang="en-US" dirty="0"/>
           </a:p>
           <a:p>
             <a:pPr lvl="1" fontAlgn="base"/>
@@ -52245,18 +53099,117 @@
             <a:pPr lvl="2" fontAlgn="base"/>
             <a:r>
               <a:rPr lang="zh-TW" altLang="en-US" dirty="0"/>
-              <a:t>執行緒正在執行當中。</a:t>
+              <a:t>執行</a:t>
+            </a:r>
+            <a:r>
+              <a:rPr lang="zh-TW" altLang="en-US" dirty="0" smtClean="0"/>
+              <a:t>緒取得</a:t>
+            </a:r>
+            <a:r>
+              <a:rPr lang="en-US" altLang="zh-TW" dirty="0" smtClean="0"/>
+              <a:t>CPU</a:t>
+            </a:r>
+            <a:r>
+              <a:rPr lang="zh-TW" altLang="en-US" dirty="0" smtClean="0"/>
+              <a:t>使用權而正在執行</a:t>
+            </a:r>
+            <a:r>
+              <a:rPr lang="zh-TW" altLang="en-US" dirty="0"/>
+              <a:t>當中。</a:t>
             </a:r>
           </a:p>
           <a:p>
             <a:pPr lvl="1" fontAlgn="base"/>
             <a:r>
+              <a:rPr lang="zh-TW" altLang="en-US" dirty="0" smtClean="0"/>
+              <a:t>準備執行（</a:t>
+            </a:r>
+            <a:r>
+              <a:rPr lang="en-US" altLang="zh-TW" dirty="0" smtClean="0"/>
+              <a:t>Ready</a:t>
+            </a:r>
+            <a:r>
+              <a:rPr lang="zh-TW" altLang="en-US" dirty="0" smtClean="0"/>
+              <a:t>）</a:t>
+            </a:r>
+            <a:endParaRPr lang="zh-TW" altLang="en-US" dirty="0"/>
+          </a:p>
+          <a:p>
+            <a:pPr lvl="2" fontAlgn="base"/>
+            <a:r>
+              <a:rPr lang="zh-TW" altLang="en-US" dirty="0" smtClean="0"/>
+              <a:t>執行緒隨時可以執行的狀態，但是暫時沒有</a:t>
+            </a:r>
+            <a:r>
+              <a:rPr lang="en-US" altLang="zh-TW" dirty="0" smtClean="0"/>
+              <a:t>CPU</a:t>
+            </a:r>
+            <a:r>
+              <a:rPr lang="zh-TW" altLang="en-US" dirty="0" smtClean="0"/>
+              <a:t>牌給他執行。</a:t>
+            </a:r>
+            <a:endParaRPr lang="zh-TW" altLang="en-US" dirty="0"/>
+          </a:p>
+          <a:p>
+            <a:pPr lvl="1" fontAlgn="base"/>
+            <a:r>
               <a:rPr lang="zh-TW" altLang="en-US" dirty="0"/>
-              <a:t>暫停（</a:t>
+              <a:t>等待</a:t>
+            </a:r>
+            <a:r>
+              <a:rPr lang="zh-TW" altLang="en-US" dirty="0" smtClean="0"/>
+              <a:t>（</a:t>
+            </a:r>
+            <a:r>
+              <a:rPr lang="en-US" altLang="zh-TW" dirty="0" smtClean="0"/>
+              <a:t>Waiting</a:t>
+            </a:r>
+            <a:r>
+              <a:rPr lang="zh-TW" altLang="en-US" dirty="0" smtClean="0"/>
+              <a:t>）</a:t>
+            </a:r>
+            <a:endParaRPr lang="zh-TW" altLang="en-US" dirty="0"/>
+          </a:p>
+          <a:p>
+            <a:pPr lvl="2" fontAlgn="base"/>
+            <a:r>
+              <a:rPr lang="zh-TW" altLang="en-US" dirty="0"/>
+              <a:t>執行緒因某個</a:t>
+            </a:r>
+            <a:r>
+              <a:rPr lang="zh-TW" altLang="en-US" b="1" dirty="0">
+                <a:solidFill>
+                  <a:srgbClr val="FF0000"/>
+                </a:solidFill>
+              </a:rPr>
+              <a:t>特定的資源被其他執行緒占</a:t>
+            </a:r>
+            <a:r>
+              <a:rPr lang="zh-TW" altLang="en-US" dirty="0"/>
+              <a:t>用時，會進入</a:t>
+            </a:r>
+            <a:r>
+              <a:rPr lang="zh-TW" altLang="en-US" b="1" dirty="0">
+                <a:solidFill>
+                  <a:srgbClr val="FF0000"/>
+                </a:solidFill>
+              </a:rPr>
+              <a:t>等待的狀態</a:t>
+            </a:r>
+            <a:r>
+              <a:rPr lang="zh-TW" altLang="en-US" dirty="0"/>
+              <a:t>。</a:t>
+            </a:r>
+          </a:p>
+          <a:p>
+            <a:pPr lvl="1" fontAlgn="base"/>
+            <a:r>
+              <a:rPr lang="zh-TW" altLang="en-US" dirty="0"/>
+              <a:t>終止（</a:t>
             </a:r>
             <a:r>
               <a:rPr lang="en-US" altLang="zh-TW" dirty="0"/>
-              <a:t>Suspended</a:t>
+              <a:t>Terminated</a:t>
             </a:r>
             <a:r>
               <a:rPr lang="zh-TW" altLang="en-US" dirty="0"/>
@@ -52267,84 +53220,25 @@
             <a:pPr lvl="2" fontAlgn="base"/>
             <a:r>
               <a:rPr lang="zh-TW" altLang="en-US" dirty="0"/>
-              <a:t>暫停已在執行當中的執行緒，但可以讓它繼續執行（</a:t>
-            </a:r>
-            <a:r>
-              <a:rPr lang="en-US" altLang="zh-TW" dirty="0"/>
-              <a:t>resume</a:t>
-            </a:r>
+              <a:t>執行緒被終止或停止，但無法再繼續執行</a:t>
+            </a:r>
+            <a:r>
+              <a:rPr lang="zh-TW" altLang="en-US" dirty="0" smtClean="0"/>
+              <a:t>。</a:t>
+            </a:r>
+            <a:endParaRPr lang="en-US" altLang="zh-TW" dirty="0" smtClean="0"/>
+          </a:p>
+          <a:p>
+            <a:pPr fontAlgn="base"/>
             <a:r>
               <a:rPr lang="zh-TW" altLang="en-US" dirty="0"/>
-              <a:t>）。</a:t>
-            </a:r>
-          </a:p>
-          <a:p>
-            <a:pPr lvl="1" fontAlgn="base"/>
-            <a:r>
-              <a:rPr lang="zh-TW" altLang="en-US" dirty="0"/>
-              <a:t>被阻擋（</a:t>
-            </a:r>
-            <a:r>
-              <a:rPr lang="en-US" altLang="zh-TW" dirty="0"/>
-              <a:t>Blocked</a:t>
-            </a:r>
-            <a:r>
-              <a:rPr lang="zh-TW" altLang="en-US" dirty="0"/>
-              <a:t>）</a:t>
-            </a:r>
-          </a:p>
-          <a:p>
-            <a:pPr lvl="2" fontAlgn="base"/>
-            <a:r>
-              <a:rPr lang="zh-TW" altLang="en-US" dirty="0"/>
-              <a:t>執行緒因某個</a:t>
-            </a:r>
-            <a:r>
-              <a:rPr lang="zh-TW" altLang="en-US" b="1" dirty="0">
-                <a:solidFill>
-                  <a:srgbClr val="FF0000"/>
-                </a:solidFill>
-              </a:rPr>
-              <a:t>特定的資源被其他執行緒占</a:t>
-            </a:r>
-            <a:r>
-              <a:rPr lang="zh-TW" altLang="en-US" dirty="0"/>
-              <a:t>用時，會進入</a:t>
-            </a:r>
-            <a:r>
-              <a:rPr lang="zh-TW" altLang="en-US" b="1" dirty="0">
-                <a:solidFill>
-                  <a:srgbClr val="FF0000"/>
-                </a:solidFill>
-              </a:rPr>
-              <a:t>等待的狀態</a:t>
-            </a:r>
-            <a:r>
-              <a:rPr lang="zh-TW" altLang="en-US" dirty="0"/>
-              <a:t>。</a:t>
-            </a:r>
-          </a:p>
-          <a:p>
-            <a:pPr lvl="1" fontAlgn="base"/>
-            <a:r>
-              <a:rPr lang="zh-TW" altLang="en-US" dirty="0"/>
-              <a:t>終止（</a:t>
-            </a:r>
-            <a:r>
-              <a:rPr lang="en-US" altLang="zh-TW" dirty="0"/>
-              <a:t>Terminated</a:t>
-            </a:r>
-            <a:r>
-              <a:rPr lang="zh-TW" altLang="en-US" dirty="0"/>
-              <a:t>）</a:t>
-            </a:r>
-          </a:p>
-          <a:p>
-            <a:pPr lvl="2" fontAlgn="base"/>
-            <a:r>
-              <a:rPr lang="zh-TW" altLang="en-US" dirty="0"/>
-              <a:t>執行緒被終止或停止，但無法再繼續執行。</a:t>
-            </a:r>
+              <a:t>四種狀態的說法不一定用同一個</a:t>
+            </a:r>
+            <a:r>
+              <a:rPr lang="zh-TW" altLang="en-US" dirty="0" smtClean="0"/>
+              <a:t>名詞，但是概念相同。</a:t>
+            </a:r>
+            <a:endParaRPr lang="zh-TW" altLang="en-US" dirty="0"/>
           </a:p>
           <a:p>
             <a:endParaRPr lang="zh-TW" altLang="en-US" dirty="0"/>
@@ -52361,6 +53255,13 @@
   <p:clrMapOvr>
     <a:masterClrMapping/>
   </p:clrMapOvr>
+  <p:timing>
+    <p:tnLst>
+      <p:par>
+        <p:cTn id="1" dur="indefinite" restart="never" nodeType="tmRoot"/>
+      </p:par>
+    </p:tnLst>
+  </p:timing>
 </p:sld>
 </file>
 
@@ -52397,8 +53298,23 @@
           <a:lstStyle/>
           <a:p>
             <a:r>
+              <a:rPr lang="zh-TW" altLang="en-US" dirty="0" smtClean="0"/>
+              <a:t>先開始再說！</a:t>
+            </a:r>
+            <a:r>
+              <a:rPr lang="en-US" altLang="zh-TW" dirty="0" smtClean="0"/>
+              <a:t/>
+            </a:r>
+            <a:br>
+              <a:rPr lang="en-US" altLang="zh-TW" dirty="0" smtClean="0"/>
+            </a:br>
+            <a:r>
+              <a:rPr lang="zh-TW" altLang="en-US" dirty="0" smtClean="0"/>
+              <a:t>開啟</a:t>
+            </a:r>
+            <a:r>
               <a:rPr lang="zh-TW" altLang="en-US" dirty="0"/>
-              <a:t>開啟另一個</a:t>
+              <a:t>另一個</a:t>
             </a:r>
             <a:r>
               <a:rPr lang="en-US" altLang="zh-TW" dirty="0"/>
@@ -52512,11 +53428,7 @@
           <a:p>
             <a:r>
               <a:rPr lang="zh-TW" altLang="en-US" dirty="0" smtClean="0"/>
-              <a:t>範例程式一：咱們來</a:t>
-            </a:r>
-            <a:r>
-              <a:rPr lang="zh-TW" altLang="en-US" dirty="0" smtClean="0"/>
-              <a:t>賽個馬吧！</a:t>
+              <a:t>範例程式一：咱們來賽個馬吧！</a:t>
             </a:r>
             <a:r>
               <a:rPr lang="en-US" altLang="zh-TW" dirty="0" smtClean="0"/>
@@ -52633,7 +53545,7 @@
             <a:pPr lvl="1"/>
             <a:r>
               <a:rPr lang="zh-TW" altLang="en-US" dirty="0" smtClean="0"/>
-              <a:t>用</a:t>
+              <a:t>也就是用</a:t>
             </a:r>
             <a:r>
               <a:rPr lang="en-US" altLang="zh-TW" dirty="0" smtClean="0"/>
@@ -52646,30 +53558,42 @@
           <a:p>
             <a:r>
               <a:rPr lang="zh-TW" altLang="en-US" dirty="0" smtClean="0"/>
-              <a:t>程式碼如右</a:t>
+              <a:t>程式碼如右。</a:t>
+            </a:r>
+            <a:endParaRPr lang="en-US" altLang="zh-TW" dirty="0" smtClean="0"/>
+          </a:p>
+          <a:p>
+            <a:r>
+              <a:rPr lang="en-US" altLang="zh-TW" dirty="0" smtClean="0"/>
+              <a:t>distance</a:t>
+            </a:r>
+            <a:r>
+              <a:rPr lang="zh-TW" altLang="en-US" dirty="0" smtClean="0"/>
+              <a:t>代表跑了幾步路。跑到</a:t>
+            </a:r>
+            <a:r>
+              <a:rPr lang="en-US" altLang="zh-TW" dirty="0" smtClean="0"/>
+              <a:t>5000</a:t>
+            </a:r>
+            <a:r>
+              <a:rPr lang="zh-TW" altLang="en-US" dirty="0" smtClean="0"/>
+              <a:t>步就結束</a:t>
+            </a:r>
+            <a:r>
+              <a:rPr lang="en-US" altLang="zh-TW" dirty="0" smtClean="0"/>
+              <a:t>Run()</a:t>
+            </a:r>
+            <a:r>
+              <a:rPr lang="zh-TW" altLang="en-US" dirty="0" smtClean="0"/>
+              <a:t>，也就是結束</a:t>
+            </a:r>
+            <a:r>
+              <a:rPr lang="en-US" altLang="zh-TW" dirty="0" smtClean="0"/>
+              <a:t>Thread</a:t>
             </a:r>
             <a:r>
               <a:rPr lang="zh-TW" altLang="en-US" dirty="0" smtClean="0"/>
               <a:t>。</a:t>
-            </a:r>
-            <a:endParaRPr lang="en-US" altLang="zh-TW" dirty="0" smtClean="0"/>
-          </a:p>
-          <a:p>
-            <a:r>
-              <a:rPr lang="en-US" altLang="zh-TW" dirty="0" smtClean="0"/>
-              <a:t>distance</a:t>
-            </a:r>
-            <a:r>
-              <a:rPr lang="zh-TW" altLang="en-US" dirty="0" smtClean="0"/>
-              <a:t>代表跑了幾步路。跑到</a:t>
-            </a:r>
-            <a:r>
-              <a:rPr lang="en-US" altLang="zh-TW" dirty="0" smtClean="0"/>
-              <a:t>5000</a:t>
-            </a:r>
-            <a:r>
-              <a:rPr lang="zh-TW" altLang="en-US" dirty="0" smtClean="0"/>
-              <a:t>結束。</a:t>
             </a:r>
             <a:endParaRPr lang="zh-TW" altLang="en-US" dirty="0"/>
           </a:p>
@@ -52877,16 +53801,7 @@
                 </a:solidFill>
                 <a:latin typeface="Consolas" panose="020B0609020204030204" pitchFamily="49" charset="0"/>
               </a:rPr>
-              <a:t>	</a:t>
-            </a:r>
-            <a:r>
-              <a:rPr lang="en-US" altLang="zh-TW" dirty="0" smtClean="0">
-                <a:solidFill>
-                  <a:srgbClr val="808080"/>
-                </a:solidFill>
-                <a:latin typeface="Consolas" panose="020B0609020204030204" pitchFamily="49" charset="0"/>
-              </a:rPr>
-              <a:t>	//</a:t>
+              <a:t>		//</a:t>
             </a:r>
             <a:r>
               <a:rPr lang="zh-TW" altLang="en-US" dirty="0">
@@ -53543,7 +54458,43 @@
             </a:r>
             <a:r>
               <a:rPr lang="zh-TW" altLang="en-US" dirty="0" smtClean="0"/>
-              <a:t>這邊的程式碼。</a:t>
+              <a:t>這邊的程式碼</a:t>
+            </a:r>
+            <a:r>
+              <a:rPr lang="zh-TW" altLang="en-US" dirty="0" smtClean="0"/>
+              <a:t>。</a:t>
+            </a:r>
+            <a:endParaRPr lang="en-US" altLang="zh-TW" dirty="0" smtClean="0"/>
+          </a:p>
+          <a:p>
+            <a:pPr lvl="1"/>
+            <a:r>
+              <a:rPr lang="zh-TW" altLang="en-US" dirty="0"/>
+              <a:t>這邊不用做任何事</a:t>
+            </a:r>
+            <a:r>
+              <a:rPr lang="zh-TW" altLang="en-US" dirty="0" smtClean="0"/>
+              <a:t>就會有</a:t>
+            </a:r>
+            <a:r>
+              <a:rPr lang="zh-TW" altLang="en-US" dirty="0"/>
+              <a:t>一個主要的</a:t>
+            </a:r>
+            <a:r>
+              <a:rPr lang="en-US" altLang="zh-TW" dirty="0"/>
+              <a:t>Thread</a:t>
+            </a:r>
+            <a:r>
+              <a:rPr lang="zh-TW" altLang="en-US" dirty="0" smtClean="0"/>
+              <a:t>，一般說他是</a:t>
+            </a:r>
+            <a:r>
+              <a:rPr lang="en-US" altLang="zh-TW" dirty="0" err="1" smtClean="0"/>
+              <a:t>mainThread</a:t>
+            </a:r>
+            <a:r>
+              <a:rPr lang="zh-TW" altLang="en-US" dirty="0" smtClean="0"/>
+              <a:t>。</a:t>
             </a:r>
             <a:endParaRPr lang="en-US" altLang="zh-TW" dirty="0" smtClean="0"/>
           </a:p>
